--- a/Thesis/Results/Thesis Defense.pptx
+++ b/Thesis/Results/Thesis Defense.pptx
@@ -5,7 +5,7 @@
     <p:sldMasterId id="2147483648" r:id="rId1"/>
   </p:sldMasterIdLst>
   <p:notesMasterIdLst>
-    <p:notesMasterId r:id="rId42"/>
+    <p:notesMasterId r:id="rId44"/>
   </p:notesMasterIdLst>
   <p:sldIdLst>
     <p:sldId id="256" r:id="rId2"/>
@@ -21,33 +21,35 @@
     <p:sldId id="293" r:id="rId12"/>
     <p:sldId id="274" r:id="rId13"/>
     <p:sldId id="292" r:id="rId14"/>
-    <p:sldId id="260" r:id="rId15"/>
-    <p:sldId id="294" r:id="rId16"/>
-    <p:sldId id="261" r:id="rId17"/>
-    <p:sldId id="262" r:id="rId18"/>
-    <p:sldId id="276" r:id="rId19"/>
-    <p:sldId id="277" r:id="rId20"/>
-    <p:sldId id="298" r:id="rId21"/>
-    <p:sldId id="299" r:id="rId22"/>
-    <p:sldId id="283" r:id="rId23"/>
-    <p:sldId id="263" r:id="rId24"/>
-    <p:sldId id="285" r:id="rId25"/>
-    <p:sldId id="278" r:id="rId26"/>
-    <p:sldId id="300" r:id="rId27"/>
-    <p:sldId id="279" r:id="rId28"/>
-    <p:sldId id="281" r:id="rId29"/>
-    <p:sldId id="287" r:id="rId30"/>
-    <p:sldId id="282" r:id="rId31"/>
-    <p:sldId id="302" r:id="rId32"/>
-    <p:sldId id="295" r:id="rId33"/>
-    <p:sldId id="264" r:id="rId34"/>
-    <p:sldId id="280" r:id="rId35"/>
-    <p:sldId id="290" r:id="rId36"/>
-    <p:sldId id="288" r:id="rId37"/>
-    <p:sldId id="296" r:id="rId38"/>
-    <p:sldId id="286" r:id="rId39"/>
-    <p:sldId id="301" r:id="rId40"/>
+    <p:sldId id="305" r:id="rId15"/>
+    <p:sldId id="260" r:id="rId16"/>
+    <p:sldId id="294" r:id="rId17"/>
+    <p:sldId id="261" r:id="rId18"/>
+    <p:sldId id="262" r:id="rId19"/>
+    <p:sldId id="276" r:id="rId20"/>
+    <p:sldId id="277" r:id="rId21"/>
+    <p:sldId id="298" r:id="rId22"/>
+    <p:sldId id="299" r:id="rId23"/>
+    <p:sldId id="283" r:id="rId24"/>
+    <p:sldId id="263" r:id="rId25"/>
+    <p:sldId id="285" r:id="rId26"/>
+    <p:sldId id="278" r:id="rId27"/>
+    <p:sldId id="300" r:id="rId28"/>
+    <p:sldId id="279" r:id="rId29"/>
+    <p:sldId id="281" r:id="rId30"/>
+    <p:sldId id="287" r:id="rId31"/>
+    <p:sldId id="304" r:id="rId32"/>
+    <p:sldId id="282" r:id="rId33"/>
+    <p:sldId id="302" r:id="rId34"/>
+    <p:sldId id="295" r:id="rId35"/>
+    <p:sldId id="264" r:id="rId36"/>
+    <p:sldId id="280" r:id="rId37"/>
+    <p:sldId id="290" r:id="rId38"/>
+    <p:sldId id="288" r:id="rId39"/>
+    <p:sldId id="296" r:id="rId40"/>
     <p:sldId id="303" r:id="rId41"/>
+    <p:sldId id="301" r:id="rId42"/>
+    <p:sldId id="286" r:id="rId43"/>
   </p:sldIdLst>
   <p:sldSz cx="12192000" cy="6858000"/>
   <p:notesSz cx="6858000" cy="9144000"/>
@@ -304,7 +306,7 @@
           <a:p>
             <a:fld id="{9ABDC267-E1B7-4722-A78C-08B61683A841}" type="datetimeFigureOut">
               <a:rPr lang="en-US" smtClean="0"/>
-              <a:t>8/12/2020</a:t>
+              <a:t>8/13/2020</a:t>
             </a:fld>
             <a:endParaRPr lang="en-US"/>
           </a:p>
@@ -1156,7 +1158,7 @@
           <a:p>
             <a:fld id="{24092052-AF92-4F11-8BF8-28A2575BE963}" type="slidenum">
               <a:rPr lang="en-US" smtClean="0"/>
-              <a:t>15</a:t>
+              <a:t>16</a:t>
             </a:fld>
             <a:endParaRPr lang="en-US"/>
           </a:p>
@@ -1260,7 +1262,7 @@
           <a:p>
             <a:fld id="{24092052-AF92-4F11-8BF8-28A2575BE963}" type="slidenum">
               <a:rPr lang="en-US" smtClean="0"/>
-              <a:t>16</a:t>
+              <a:t>17</a:t>
             </a:fld>
             <a:endParaRPr lang="en-US"/>
           </a:p>
@@ -1594,7 +1596,7 @@
           <a:p>
             <a:fld id="{24092052-AF92-4F11-8BF8-28A2575BE963}" type="slidenum">
               <a:rPr lang="en-US" smtClean="0"/>
-              <a:t>17</a:t>
+              <a:t>18</a:t>
             </a:fld>
             <a:endParaRPr lang="en-US"/>
           </a:p>
@@ -1743,7 +1745,7 @@
           <a:p>
             <a:fld id="{24092052-AF92-4F11-8BF8-28A2575BE963}" type="slidenum">
               <a:rPr lang="en-US" smtClean="0"/>
-              <a:t>18</a:t>
+              <a:t>19</a:t>
             </a:fld>
             <a:endParaRPr lang="en-US"/>
           </a:p>
@@ -1907,7 +1909,7 @@
           <a:p>
             <a:fld id="{24092052-AF92-4F11-8BF8-28A2575BE963}" type="slidenum">
               <a:rPr lang="en-US" smtClean="0"/>
-              <a:t>19</a:t>
+              <a:t>20</a:t>
             </a:fld>
             <a:endParaRPr lang="en-US"/>
           </a:p>
@@ -1994,7 +1996,7 @@
           <a:p>
             <a:fld id="{24092052-AF92-4F11-8BF8-28A2575BE963}" type="slidenum">
               <a:rPr lang="en-US" smtClean="0"/>
-              <a:t>20</a:t>
+              <a:t>21</a:t>
             </a:fld>
             <a:endParaRPr lang="en-US"/>
           </a:p>
@@ -2090,7 +2092,7 @@
           <a:p>
             <a:fld id="{24092052-AF92-4F11-8BF8-28A2575BE963}" type="slidenum">
               <a:rPr lang="en-US" smtClean="0"/>
-              <a:t>21</a:t>
+              <a:t>22</a:t>
             </a:fld>
             <a:endParaRPr lang="en-US"/>
           </a:p>
@@ -2378,7 +2380,7 @@
           <a:p>
             <a:fld id="{24092052-AF92-4F11-8BF8-28A2575BE963}" type="slidenum">
               <a:rPr lang="en-US" smtClean="0"/>
-              <a:t>22</a:t>
+              <a:t>23</a:t>
             </a:fld>
             <a:endParaRPr lang="en-US"/>
           </a:p>
@@ -2620,7 +2622,7 @@
           <a:p>
             <a:fld id="{24092052-AF92-4F11-8BF8-28A2575BE963}" type="slidenum">
               <a:rPr lang="en-US" smtClean="0"/>
-              <a:t>23</a:t>
+              <a:t>24</a:t>
             </a:fld>
             <a:endParaRPr lang="en-US"/>
           </a:p>
@@ -2724,7 +2726,7 @@
           <a:p>
             <a:fld id="{24092052-AF92-4F11-8BF8-28A2575BE963}" type="slidenum">
               <a:rPr lang="en-US" smtClean="0"/>
-              <a:t>24</a:t>
+              <a:t>25</a:t>
             </a:fld>
             <a:endParaRPr lang="en-US"/>
           </a:p>
@@ -2947,7 +2949,7 @@
           <a:p>
             <a:fld id="{24092052-AF92-4F11-8BF8-28A2575BE963}" type="slidenum">
               <a:rPr lang="en-US" smtClean="0"/>
-              <a:t>25</a:t>
+              <a:t>26</a:t>
             </a:fld>
             <a:endParaRPr lang="en-US"/>
           </a:p>
@@ -3010,66 +3012,6 @@
           <a:bodyPr/>
           <a:lstStyle/>
           <a:p>
-            <a:r>
-              <a:rPr lang="en-US" dirty="0" err="1"/>
-              <a:t>emEM</a:t>
-            </a:r>
-            <a:r>
-              <a:rPr lang="en-US" dirty="0"/>
-              <a:t> technique (</a:t>
-            </a:r>
-            <a:r>
-              <a:rPr lang="en-US" dirty="0" err="1"/>
-              <a:t>Biernacki</a:t>
-            </a:r>
-            <a:r>
-              <a:rPr lang="en-US" dirty="0"/>
-              <a:t>, </a:t>
-            </a:r>
-            <a:r>
-              <a:rPr lang="en-US" dirty="0" err="1"/>
-              <a:t>Celeux</a:t>
-            </a:r>
-            <a:r>
-              <a:rPr lang="en-US" dirty="0"/>
-              <a:t>, </a:t>
-            </a:r>
-            <a:r>
-              <a:rPr lang="en-US" dirty="0" err="1"/>
-              <a:t>Govaert</a:t>
-            </a:r>
-            <a:r>
-              <a:rPr lang="en-US" dirty="0"/>
-              <a:t> 2003)</a:t>
-            </a:r>
-          </a:p>
-          <a:p>
-            <a:endParaRPr lang="en-US" dirty="0"/>
-          </a:p>
-          <a:p>
-            <a:pPr marL="0" marR="0" lvl="0" indent="0" algn="l" defTabSz="914400" rtl="0" eaLnBrk="1" fontAlgn="auto" latinLnBrk="0" hangingPunct="1">
-              <a:lnSpc>
-                <a:spcPct val="100000"/>
-              </a:lnSpc>
-              <a:spcBef>
-                <a:spcPts val="0"/>
-              </a:spcBef>
-              <a:spcAft>
-                <a:spcPts val="0"/>
-              </a:spcAft>
-              <a:buClrTx/>
-              <a:buSzTx/>
-              <a:buFontTx/>
-              <a:buNone/>
-              <a:tabLst/>
-              <a:defRPr/>
-            </a:pPr>
-            <a:r>
-              <a:rPr lang="en-US" dirty="0"/>
-              <a:t>Parameters with best log-likelihood are then used for final estimation for parameters in the final model</a:t>
-            </a:r>
-          </a:p>
-          <a:p>
             <a:endParaRPr lang="en-US" dirty="0"/>
           </a:p>
         </p:txBody>
@@ -3091,7 +3033,7 @@
           <a:p>
             <a:fld id="{24092052-AF92-4F11-8BF8-28A2575BE963}" type="slidenum">
               <a:rPr lang="en-US" smtClean="0"/>
-              <a:t>26</a:t>
+              <a:t>27</a:t>
             </a:fld>
             <a:endParaRPr lang="en-US"/>
           </a:p>
@@ -3216,7 +3158,7 @@
           <a:p>
             <a:fld id="{24092052-AF92-4F11-8BF8-28A2575BE963}" type="slidenum">
               <a:rPr lang="en-US" smtClean="0"/>
-              <a:t>27</a:t>
+              <a:t>28</a:t>
             </a:fld>
             <a:endParaRPr lang="en-US"/>
           </a:p>
@@ -3337,7 +3279,7 @@
           <a:p>
             <a:fld id="{24092052-AF92-4F11-8BF8-28A2575BE963}" type="slidenum">
               <a:rPr lang="en-US" smtClean="0"/>
-              <a:t>28</a:t>
+              <a:t>29</a:t>
             </a:fld>
             <a:endParaRPr lang="en-US"/>
           </a:p>
@@ -3466,7 +3408,7 @@
           <a:p>
             <a:fld id="{24092052-AF92-4F11-8BF8-28A2575BE963}" type="slidenum">
               <a:rPr lang="en-US" smtClean="0"/>
-              <a:t>29</a:t>
+              <a:t>30</a:t>
             </a:fld>
             <a:endParaRPr lang="en-US"/>
           </a:p>
@@ -3571,7 +3513,7 @@
           <a:p>
             <a:fld id="{24092052-AF92-4F11-8BF8-28A2575BE963}" type="slidenum">
               <a:rPr lang="en-US" smtClean="0"/>
-              <a:t>30</a:t>
+              <a:t>32</a:t>
             </a:fld>
             <a:endParaRPr lang="en-US"/>
           </a:p>
@@ -3658,7 +3600,7 @@
           <a:p>
             <a:fld id="{24092052-AF92-4F11-8BF8-28A2575BE963}" type="slidenum">
               <a:rPr lang="en-US" smtClean="0"/>
-              <a:t>31</a:t>
+              <a:t>33</a:t>
             </a:fld>
             <a:endParaRPr lang="en-US"/>
           </a:p>
@@ -4009,7 +3951,7 @@
           <a:p>
             <a:fld id="{24092052-AF92-4F11-8BF8-28A2575BE963}" type="slidenum">
               <a:rPr lang="en-US" smtClean="0"/>
-              <a:t>32</a:t>
+              <a:t>34</a:t>
             </a:fld>
             <a:endParaRPr lang="en-US"/>
           </a:p>
@@ -4096,7 +4038,7 @@
           <a:p>
             <a:fld id="{24092052-AF92-4F11-8BF8-28A2575BE963}" type="slidenum">
               <a:rPr lang="en-US" smtClean="0"/>
-              <a:t>33</a:t>
+              <a:t>35</a:t>
             </a:fld>
             <a:endParaRPr lang="en-US"/>
           </a:p>
@@ -4254,7 +4196,7 @@
           <a:p>
             <a:fld id="{24092052-AF92-4F11-8BF8-28A2575BE963}" type="slidenum">
               <a:rPr lang="en-US" smtClean="0"/>
-              <a:t>34</a:t>
+              <a:t>36</a:t>
             </a:fld>
             <a:endParaRPr lang="en-US"/>
           </a:p>
@@ -4341,7 +4283,7 @@
           <a:p>
             <a:fld id="{24092052-AF92-4F11-8BF8-28A2575BE963}" type="slidenum">
               <a:rPr lang="en-US" smtClean="0"/>
-              <a:t>38</a:t>
+              <a:t>42</a:t>
             </a:fld>
             <a:endParaRPr lang="en-US"/>
           </a:p>
@@ -5222,7 +5164,7 @@
           <a:p>
             <a:fld id="{D87A5628-4EDB-4B4E-A29C-452C102D1187}" type="datetimeFigureOut">
               <a:rPr lang="en-US" smtClean="0"/>
-              <a:t>8/12/2020</a:t>
+              <a:t>8/13/2020</a:t>
             </a:fld>
             <a:endParaRPr lang="en-US"/>
           </a:p>
@@ -5420,7 +5362,7 @@
           <a:p>
             <a:fld id="{D87A5628-4EDB-4B4E-A29C-452C102D1187}" type="datetimeFigureOut">
               <a:rPr lang="en-US" smtClean="0"/>
-              <a:t>8/12/2020</a:t>
+              <a:t>8/13/2020</a:t>
             </a:fld>
             <a:endParaRPr lang="en-US"/>
           </a:p>
@@ -5628,7 +5570,7 @@
           <a:p>
             <a:fld id="{D87A5628-4EDB-4B4E-A29C-452C102D1187}" type="datetimeFigureOut">
               <a:rPr lang="en-US" smtClean="0"/>
-              <a:t>8/12/2020</a:t>
+              <a:t>8/13/2020</a:t>
             </a:fld>
             <a:endParaRPr lang="en-US"/>
           </a:p>
@@ -5826,7 +5768,7 @@
           <a:p>
             <a:fld id="{D87A5628-4EDB-4B4E-A29C-452C102D1187}" type="datetimeFigureOut">
               <a:rPr lang="en-US" smtClean="0"/>
-              <a:t>8/12/2020</a:t>
+              <a:t>8/13/2020</a:t>
             </a:fld>
             <a:endParaRPr lang="en-US"/>
           </a:p>
@@ -6101,7 +6043,7 @@
           <a:p>
             <a:fld id="{D87A5628-4EDB-4B4E-A29C-452C102D1187}" type="datetimeFigureOut">
               <a:rPr lang="en-US" smtClean="0"/>
-              <a:t>8/12/2020</a:t>
+              <a:t>8/13/2020</a:t>
             </a:fld>
             <a:endParaRPr lang="en-US"/>
           </a:p>
@@ -6366,7 +6308,7 @@
           <a:p>
             <a:fld id="{D87A5628-4EDB-4B4E-A29C-452C102D1187}" type="datetimeFigureOut">
               <a:rPr lang="en-US" smtClean="0"/>
-              <a:t>8/12/2020</a:t>
+              <a:t>8/13/2020</a:t>
             </a:fld>
             <a:endParaRPr lang="en-US"/>
           </a:p>
@@ -6778,7 +6720,7 @@
           <a:p>
             <a:fld id="{D87A5628-4EDB-4B4E-A29C-452C102D1187}" type="datetimeFigureOut">
               <a:rPr lang="en-US" smtClean="0"/>
-              <a:t>8/12/2020</a:t>
+              <a:t>8/13/2020</a:t>
             </a:fld>
             <a:endParaRPr lang="en-US"/>
           </a:p>
@@ -6919,7 +6861,7 @@
           <a:p>
             <a:fld id="{D87A5628-4EDB-4B4E-A29C-452C102D1187}" type="datetimeFigureOut">
               <a:rPr lang="en-US" smtClean="0"/>
-              <a:t>8/12/2020</a:t>
+              <a:t>8/13/2020</a:t>
             </a:fld>
             <a:endParaRPr lang="en-US"/>
           </a:p>
@@ -7032,7 +6974,7 @@
           <a:p>
             <a:fld id="{D87A5628-4EDB-4B4E-A29C-452C102D1187}" type="datetimeFigureOut">
               <a:rPr lang="en-US" smtClean="0"/>
-              <a:t>8/12/2020</a:t>
+              <a:t>8/13/2020</a:t>
             </a:fld>
             <a:endParaRPr lang="en-US"/>
           </a:p>
@@ -7343,7 +7285,7 @@
           <a:p>
             <a:fld id="{D87A5628-4EDB-4B4E-A29C-452C102D1187}" type="datetimeFigureOut">
               <a:rPr lang="en-US" smtClean="0"/>
-              <a:t>8/12/2020</a:t>
+              <a:t>8/13/2020</a:t>
             </a:fld>
             <a:endParaRPr lang="en-US"/>
           </a:p>
@@ -7631,7 +7573,7 @@
           <a:p>
             <a:fld id="{D87A5628-4EDB-4B4E-A29C-452C102D1187}" type="datetimeFigureOut">
               <a:rPr lang="en-US" smtClean="0"/>
-              <a:t>8/12/2020</a:t>
+              <a:t>8/13/2020</a:t>
             </a:fld>
             <a:endParaRPr lang="en-US"/>
           </a:p>
@@ -7872,7 +7814,7 @@
           <a:p>
             <a:fld id="{D87A5628-4EDB-4B4E-A29C-452C102D1187}" type="datetimeFigureOut">
               <a:rPr lang="en-US" smtClean="0"/>
-              <a:t>8/12/2020</a:t>
+              <a:t>8/13/2020</a:t>
             </a:fld>
             <a:endParaRPr lang="en-US"/>
           </a:p>
@@ -8360,13 +8302,16 @@
           <a:p>
             <a:r>
               <a:rPr lang="en-US" sz="1800" dirty="0"/>
-              <a:t>Committee: Brandie Wagner, Jonathan Harris, Elizabeth Juarez-</a:t>
+              <a:t>Committee: Brandie Wagner, Elizabeth Juarez-</a:t>
             </a:r>
             <a:r>
               <a:rPr lang="en-US" sz="1800" dirty="0" err="1"/>
               <a:t>Colunga</a:t>
             </a:r>
-            <a:endParaRPr lang="en-US" sz="1800" dirty="0"/>
+            <a:r>
+              <a:rPr lang="en-US" sz="1800" dirty="0"/>
+              <a:t>, Jonathan Harris</a:t>
+            </a:r>
           </a:p>
         </p:txBody>
       </p:sp>
@@ -8961,8 +8906,8 @@
           </a:prstGeom>
         </p:spPr>
       </p:pic>
-      <mc:AlternateContent xmlns:mc="http://schemas.openxmlformats.org/markup-compatibility/2006">
-        <mc:Choice xmlns:a14="http://schemas.microsoft.com/office/drawing/2010/main" Requires="a14">
+      <mc:AlternateContent xmlns:mc="http://schemas.openxmlformats.org/markup-compatibility/2006" xmlns:a14="http://schemas.microsoft.com/office/drawing/2010/main">
+        <mc:Choice Requires="a14">
           <p:sp>
             <p:nvSpPr>
               <p:cNvPr id="6" name="Content Placeholder 2">
@@ -9402,7 +9347,7 @@
             </p:txBody>
           </p:sp>
         </mc:Choice>
-        <mc:Fallback>
+        <mc:Fallback xmlns="">
           <p:sp>
             <p:nvSpPr>
               <p:cNvPr id="6" name="Content Placeholder 2">
@@ -9928,8 +9873,8 @@
           </a:p>
         </p:txBody>
       </p:sp>
-      <mc:AlternateContent xmlns:mc="http://schemas.openxmlformats.org/markup-compatibility/2006">
-        <mc:Choice xmlns:a14="http://schemas.microsoft.com/office/drawing/2010/main" Requires="a14">
+      <mc:AlternateContent xmlns:mc="http://schemas.openxmlformats.org/markup-compatibility/2006" xmlns:a14="http://schemas.microsoft.com/office/drawing/2010/main">
+        <mc:Choice Requires="a14">
           <p:sp>
             <p:nvSpPr>
               <p:cNvPr id="3" name="Content Placeholder 2">
@@ -10023,7 +9968,7 @@
             </p:txBody>
           </p:sp>
         </mc:Choice>
-        <mc:Fallback>
+        <mc:Fallback xmlns="">
           <p:sp>
             <p:nvSpPr>
               <p:cNvPr id="3" name="Content Placeholder 2">
@@ -10162,6 +10107,123 @@
           <p:cNvPr id="2" name="Title 1">
             <a:extLst>
               <a:ext uri="{FF2B5EF4-FFF2-40B4-BE49-F238E27FC236}">
+                <a16:creationId xmlns:a16="http://schemas.microsoft.com/office/drawing/2014/main" id="{60B4BF5B-6BBA-4177-ABAA-0F04ACEFFE5B}"/>
+              </a:ext>
+            </a:extLst>
+          </p:cNvPr>
+          <p:cNvSpPr>
+            <a:spLocks noGrp="1"/>
+          </p:cNvSpPr>
+          <p:nvPr>
+            <p:ph type="title"/>
+          </p:nvPr>
+        </p:nvSpPr>
+        <p:spPr/>
+        <p:txBody>
+          <a:bodyPr/>
+          <a:lstStyle/>
+          <a:p>
+            <a:r>
+              <a:rPr lang="en-US" dirty="0"/>
+              <a:t>Building a Latent Class Mixed Model:</a:t>
+            </a:r>
+            <a:br>
+              <a:rPr lang="en-US" dirty="0"/>
+            </a:br>
+            <a:r>
+              <a:rPr lang="en-US" dirty="0"/>
+              <a:t>Parameter Estimation (Multiple Classes)</a:t>
+            </a:r>
+          </a:p>
+        </p:txBody>
+      </p:sp>
+      <p:sp>
+        <p:nvSpPr>
+          <p:cNvPr id="3" name="Content Placeholder 2">
+            <a:extLst>
+              <a:ext uri="{FF2B5EF4-FFF2-40B4-BE49-F238E27FC236}">
+                <a16:creationId xmlns:a16="http://schemas.microsoft.com/office/drawing/2014/main" id="{760F8285-C520-44EE-9D00-B7B90B10CB1D}"/>
+              </a:ext>
+            </a:extLst>
+          </p:cNvPr>
+          <p:cNvSpPr>
+            <a:spLocks noGrp="1"/>
+          </p:cNvSpPr>
+          <p:nvPr>
+            <p:ph idx="1"/>
+          </p:nvPr>
+        </p:nvSpPr>
+        <p:spPr/>
+        <p:txBody>
+          <a:bodyPr/>
+          <a:lstStyle/>
+          <a:p>
+            <a:r>
+              <a:rPr lang="en-US" dirty="0"/>
+              <a:t>In mixture modeling, log-likelihood may have multiple maxima</a:t>
+            </a:r>
+          </a:p>
+          <a:p>
+            <a:pPr lvl="1"/>
+            <a:r>
+              <a:rPr lang="en-US" dirty="0"/>
+              <a:t>Convergence towards global maximum not guaranteed running model only once</a:t>
+            </a:r>
+          </a:p>
+          <a:p>
+            <a:r>
+              <a:rPr lang="en-US" dirty="0"/>
+              <a:t>Each model run several different times from different sets of initial values</a:t>
+            </a:r>
+          </a:p>
+          <a:p>
+            <a:pPr lvl="1"/>
+            <a:r>
+              <a:rPr lang="en-US" dirty="0"/>
+              <a:t>Draws from asymptotic distribution of MLE of the G = 1 model</a:t>
+            </a:r>
+          </a:p>
+          <a:p>
+            <a:pPr lvl="1"/>
+            <a:endParaRPr lang="en-US" dirty="0"/>
+          </a:p>
+        </p:txBody>
+      </p:sp>
+    </p:spTree>
+    <p:extLst>
+      <p:ext uri="{BB962C8B-B14F-4D97-AF65-F5344CB8AC3E}">
+        <p14:creationId xmlns:p14="http://schemas.microsoft.com/office/powerpoint/2010/main" val="3466375348"/>
+      </p:ext>
+    </p:extLst>
+  </p:cSld>
+  <p:clrMapOvr>
+    <a:masterClrMapping/>
+  </p:clrMapOvr>
+</p:sld>
+</file>
+
+<file path=ppt/slides/slide15.xml><?xml version="1.0" encoding="utf-8"?>
+<p:sld xmlns:a="http://schemas.openxmlformats.org/drawingml/2006/main" xmlns:r="http://schemas.openxmlformats.org/officeDocument/2006/relationships" xmlns:p="http://schemas.openxmlformats.org/presentationml/2006/main">
+  <p:cSld>
+    <p:spTree>
+      <p:nvGrpSpPr>
+        <p:cNvPr id="1" name=""/>
+        <p:cNvGrpSpPr/>
+        <p:nvPr/>
+      </p:nvGrpSpPr>
+      <p:grpSpPr>
+        <a:xfrm>
+          <a:off x="0" y="0"/>
+          <a:ext cx="0" cy="0"/>
+          <a:chOff x="0" y="0"/>
+          <a:chExt cx="0" cy="0"/>
+        </a:xfrm>
+      </p:grpSpPr>
+      <p:sp>
+        <p:nvSpPr>
+          <p:cNvPr id="2" name="Title 1">
+            <a:extLst>
+              <a:ext uri="{FF2B5EF4-FFF2-40B4-BE49-F238E27FC236}">
                 <a16:creationId xmlns:a16="http://schemas.microsoft.com/office/drawing/2014/main" id="{062ADE60-8AEE-495D-A1E4-2555177F6C48}"/>
               </a:ext>
             </a:extLst>
@@ -10307,7 +10369,7 @@
 </p:sld>
 </file>
 
-<file path=ppt/slides/slide15.xml><?xml version="1.0" encoding="utf-8"?>
+<file path=ppt/slides/slide16.xml><?xml version="1.0" encoding="utf-8"?>
 <p:sld xmlns:a="http://schemas.openxmlformats.org/drawingml/2006/main" xmlns:r="http://schemas.openxmlformats.org/officeDocument/2006/relationships" xmlns:p="http://schemas.openxmlformats.org/presentationml/2006/main">
   <p:cSld>
     <p:spTree>
@@ -10434,7 +10496,7 @@
 </p:sld>
 </file>
 
-<file path=ppt/slides/slide16.xml><?xml version="1.0" encoding="utf-8"?>
+<file path=ppt/slides/slide17.xml><?xml version="1.0" encoding="utf-8"?>
 <p:sld xmlns:a="http://schemas.openxmlformats.org/drawingml/2006/main" xmlns:r="http://schemas.openxmlformats.org/officeDocument/2006/relationships" xmlns:p="http://schemas.openxmlformats.org/presentationml/2006/main">
   <p:cSld>
     <p:spTree>
@@ -10548,7 +10610,7 @@
 </p:sld>
 </file>
 
-<file path=ppt/slides/slide17.xml><?xml version="1.0" encoding="utf-8"?>
+<file path=ppt/slides/slide18.xml><?xml version="1.0" encoding="utf-8"?>
 <p:sld xmlns:a="http://schemas.openxmlformats.org/drawingml/2006/main" xmlns:r="http://schemas.openxmlformats.org/officeDocument/2006/relationships" xmlns:p="http://schemas.openxmlformats.org/presentationml/2006/main">
   <p:cSld>
     <p:bg>
@@ -11303,7 +11365,7 @@
 </p:sld>
 </file>
 
-<file path=ppt/slides/slide18.xml><?xml version="1.0" encoding="utf-8"?>
+<file path=ppt/slides/slide19.xml><?xml version="1.0" encoding="utf-8"?>
 <p:sld xmlns:a="http://schemas.openxmlformats.org/drawingml/2006/main" xmlns:r="http://schemas.openxmlformats.org/officeDocument/2006/relationships" xmlns:p="http://schemas.openxmlformats.org/presentationml/2006/main">
   <p:cSld>
     <p:spTree>
@@ -11778,167 +11840,6 @@
 </p:sld>
 </file>
 
-<file path=ppt/slides/slide19.xml><?xml version="1.0" encoding="utf-8"?>
-<p:sld xmlns:a="http://schemas.openxmlformats.org/drawingml/2006/main" xmlns:r="http://schemas.openxmlformats.org/officeDocument/2006/relationships" xmlns:p="http://schemas.openxmlformats.org/presentationml/2006/main">
-  <p:cSld>
-    <p:spTree>
-      <p:nvGrpSpPr>
-        <p:cNvPr id="1" name=""/>
-        <p:cNvGrpSpPr/>
-        <p:nvPr/>
-      </p:nvGrpSpPr>
-      <p:grpSpPr>
-        <a:xfrm>
-          <a:off x="0" y="0"/>
-          <a:ext cx="0" cy="0"/>
-          <a:chOff x="0" y="0"/>
-          <a:chExt cx="0" cy="0"/>
-        </a:xfrm>
-      </p:grpSpPr>
-      <p:sp>
-        <p:nvSpPr>
-          <p:cNvPr id="2" name="Title 1">
-            <a:extLst>
-              <a:ext uri="{FF2B5EF4-FFF2-40B4-BE49-F238E27FC236}">
-                <a16:creationId xmlns:a16="http://schemas.microsoft.com/office/drawing/2014/main" id="{13E0A325-F01C-484E-BB6E-F7C8CB69B271}"/>
-              </a:ext>
-            </a:extLst>
-          </p:cNvPr>
-          <p:cNvSpPr>
-            <a:spLocks noGrp="1"/>
-          </p:cNvSpPr>
-          <p:nvPr>
-            <p:ph type="title"/>
-          </p:nvPr>
-        </p:nvSpPr>
-        <p:spPr/>
-        <p:txBody>
-          <a:bodyPr/>
-          <a:lstStyle/>
-          <a:p>
-            <a:r>
-              <a:rPr lang="en-US" dirty="0"/>
-              <a:t>Methods: Covariate Model</a:t>
-            </a:r>
-          </a:p>
-        </p:txBody>
-      </p:sp>
-      <p:sp>
-        <p:nvSpPr>
-          <p:cNvPr id="3" name="Content Placeholder 2">
-            <a:extLst>
-              <a:ext uri="{FF2B5EF4-FFF2-40B4-BE49-F238E27FC236}">
-                <a16:creationId xmlns:a16="http://schemas.microsoft.com/office/drawing/2014/main" id="{C2650DA6-A03F-428A-9B0D-B369E0B8E3A4}"/>
-              </a:ext>
-            </a:extLst>
-          </p:cNvPr>
-          <p:cNvSpPr>
-            <a:spLocks noGrp="1"/>
-          </p:cNvSpPr>
-          <p:nvPr>
-            <p:ph idx="1"/>
-          </p:nvPr>
-        </p:nvSpPr>
-        <p:spPr/>
-        <p:txBody>
-          <a:bodyPr/>
-          <a:lstStyle/>
-          <a:p>
-            <a:pPr marL="0" marR="0">
-              <a:lnSpc>
-                <a:spcPct val="200000"/>
-              </a:lnSpc>
-              <a:spcBef>
-                <a:spcPts val="0"/>
-              </a:spcBef>
-              <a:spcAft>
-                <a:spcPts val="0"/>
-              </a:spcAft>
-            </a:pPr>
-            <a:r>
-              <a:rPr lang="en-US" sz="1800" dirty="0">
-                <a:effectLst/>
-                <a:ea typeface="Calibri" panose="020F0502020204030204" pitchFamily="34" charset="0"/>
-                <a:cs typeface="Times New Roman" panose="02020603050405020304" pitchFamily="18" charset="0"/>
-              </a:rPr>
-              <a:t>Clinical covariates were examined in a second stage analysis for selection to put into the model</a:t>
-            </a:r>
-          </a:p>
-          <a:p>
-            <a:pPr marL="457200" lvl="1">
-              <a:lnSpc>
-                <a:spcPct val="200000"/>
-              </a:lnSpc>
-              <a:spcBef>
-                <a:spcPts val="0"/>
-              </a:spcBef>
-            </a:pPr>
-            <a:r>
-              <a:rPr lang="en-US" sz="1400" dirty="0">
-                <a:effectLst/>
-                <a:ea typeface="Calibri" panose="020F0502020204030204" pitchFamily="34" charset="0"/>
-                <a:cs typeface="Times New Roman" panose="02020603050405020304" pitchFamily="18" charset="0"/>
-              </a:rPr>
-              <a:t>Sex, genotype, meconium ileus, feeding type, subject growth, antibiotic use*</a:t>
-            </a:r>
-          </a:p>
-          <a:p>
-            <a:pPr marL="0">
-              <a:lnSpc>
-                <a:spcPct val="200000"/>
-              </a:lnSpc>
-              <a:spcBef>
-                <a:spcPts val="0"/>
-              </a:spcBef>
-            </a:pPr>
-            <a:r>
-              <a:rPr lang="en-US" sz="1800" dirty="0">
-                <a:effectLst/>
-                <a:ea typeface="Calibri" panose="020F0502020204030204" pitchFamily="34" charset="0"/>
-                <a:cs typeface="Times New Roman" panose="02020603050405020304" pitchFamily="18" charset="0"/>
-              </a:rPr>
-              <a:t>A 0.01 significance level was used to determine association with the clusters</a:t>
-            </a:r>
-          </a:p>
-          <a:p>
-            <a:pPr marL="0" marR="0">
-              <a:lnSpc>
-                <a:spcPct val="200000"/>
-              </a:lnSpc>
-              <a:spcBef>
-                <a:spcPts val="0"/>
-              </a:spcBef>
-              <a:spcAft>
-                <a:spcPts val="0"/>
-              </a:spcAft>
-            </a:pPr>
-            <a:r>
-              <a:rPr lang="en-US" sz="1800" dirty="0">
-                <a:effectLst/>
-                <a:ea typeface="Calibri" panose="020F0502020204030204" pitchFamily="34" charset="0"/>
-                <a:cs typeface="Times New Roman" panose="02020603050405020304" pitchFamily="18" charset="0"/>
-              </a:rPr>
-              <a:t> Weight Z-Score  was used to portray growth rather than height </a:t>
-            </a:r>
-          </a:p>
-          <a:p>
-            <a:endParaRPr lang="en-US" dirty="0"/>
-          </a:p>
-        </p:txBody>
-      </p:sp>
-    </p:spTree>
-    <p:extLst>
-      <p:ext uri="{BB962C8B-B14F-4D97-AF65-F5344CB8AC3E}">
-        <p14:creationId xmlns:p14="http://schemas.microsoft.com/office/powerpoint/2010/main" val="245735249"/>
-      </p:ext>
-    </p:extLst>
-  </p:cSld>
-  <p:clrMapOvr>
-    <a:masterClrMapping/>
-  </p:clrMapOvr>
-</p:sld>
-</file>
-
 <file path=ppt/slides/slide2.xml><?xml version="1.0" encoding="utf-8"?>
 <p:sld xmlns:a="http://schemas.openxmlformats.org/drawingml/2006/main" xmlns:r="http://schemas.openxmlformats.org/officeDocument/2006/relationships" xmlns:p="http://schemas.openxmlformats.org/presentationml/2006/main">
   <p:cSld>
@@ -12088,6 +11989,167 @@
           <p:cNvPr id="2" name="Title 1">
             <a:extLst>
               <a:ext uri="{FF2B5EF4-FFF2-40B4-BE49-F238E27FC236}">
+                <a16:creationId xmlns:a16="http://schemas.microsoft.com/office/drawing/2014/main" id="{13E0A325-F01C-484E-BB6E-F7C8CB69B271}"/>
+              </a:ext>
+            </a:extLst>
+          </p:cNvPr>
+          <p:cNvSpPr>
+            <a:spLocks noGrp="1"/>
+          </p:cNvSpPr>
+          <p:nvPr>
+            <p:ph type="title"/>
+          </p:nvPr>
+        </p:nvSpPr>
+        <p:spPr/>
+        <p:txBody>
+          <a:bodyPr/>
+          <a:lstStyle/>
+          <a:p>
+            <a:r>
+              <a:rPr lang="en-US" dirty="0"/>
+              <a:t>Methods: Covariate Model</a:t>
+            </a:r>
+          </a:p>
+        </p:txBody>
+      </p:sp>
+      <p:sp>
+        <p:nvSpPr>
+          <p:cNvPr id="3" name="Content Placeholder 2">
+            <a:extLst>
+              <a:ext uri="{FF2B5EF4-FFF2-40B4-BE49-F238E27FC236}">
+                <a16:creationId xmlns:a16="http://schemas.microsoft.com/office/drawing/2014/main" id="{C2650DA6-A03F-428A-9B0D-B369E0B8E3A4}"/>
+              </a:ext>
+            </a:extLst>
+          </p:cNvPr>
+          <p:cNvSpPr>
+            <a:spLocks noGrp="1"/>
+          </p:cNvSpPr>
+          <p:nvPr>
+            <p:ph idx="1"/>
+          </p:nvPr>
+        </p:nvSpPr>
+        <p:spPr/>
+        <p:txBody>
+          <a:bodyPr/>
+          <a:lstStyle/>
+          <a:p>
+            <a:pPr marL="0" marR="0">
+              <a:lnSpc>
+                <a:spcPct val="200000"/>
+              </a:lnSpc>
+              <a:spcBef>
+                <a:spcPts val="0"/>
+              </a:spcBef>
+              <a:spcAft>
+                <a:spcPts val="0"/>
+              </a:spcAft>
+            </a:pPr>
+            <a:r>
+              <a:rPr lang="en-US" sz="1800" dirty="0">
+                <a:effectLst/>
+                <a:ea typeface="Calibri" panose="020F0502020204030204" pitchFamily="34" charset="0"/>
+                <a:cs typeface="Times New Roman" panose="02020603050405020304" pitchFamily="18" charset="0"/>
+              </a:rPr>
+              <a:t>Clinical covariates were examined in a second stage analysis for selection to put into the model</a:t>
+            </a:r>
+          </a:p>
+          <a:p>
+            <a:pPr marL="457200" lvl="1">
+              <a:lnSpc>
+                <a:spcPct val="200000"/>
+              </a:lnSpc>
+              <a:spcBef>
+                <a:spcPts val="0"/>
+              </a:spcBef>
+            </a:pPr>
+            <a:r>
+              <a:rPr lang="en-US" sz="1400" dirty="0">
+                <a:effectLst/>
+                <a:ea typeface="Calibri" panose="020F0502020204030204" pitchFamily="34" charset="0"/>
+                <a:cs typeface="Times New Roman" panose="02020603050405020304" pitchFamily="18" charset="0"/>
+              </a:rPr>
+              <a:t>Sex, genotype, meconium ileus, feeding type, subject growth, antibiotic use*</a:t>
+            </a:r>
+          </a:p>
+          <a:p>
+            <a:pPr marL="0">
+              <a:lnSpc>
+                <a:spcPct val="200000"/>
+              </a:lnSpc>
+              <a:spcBef>
+                <a:spcPts val="0"/>
+              </a:spcBef>
+            </a:pPr>
+            <a:r>
+              <a:rPr lang="en-US" sz="1800" dirty="0">
+                <a:effectLst/>
+                <a:ea typeface="Calibri" panose="020F0502020204030204" pitchFamily="34" charset="0"/>
+                <a:cs typeface="Times New Roman" panose="02020603050405020304" pitchFamily="18" charset="0"/>
+              </a:rPr>
+              <a:t>A 0.01 significance level was used to determine association with the clusters</a:t>
+            </a:r>
+          </a:p>
+          <a:p>
+            <a:pPr marL="0" marR="0">
+              <a:lnSpc>
+                <a:spcPct val="200000"/>
+              </a:lnSpc>
+              <a:spcBef>
+                <a:spcPts val="0"/>
+              </a:spcBef>
+              <a:spcAft>
+                <a:spcPts val="0"/>
+              </a:spcAft>
+            </a:pPr>
+            <a:r>
+              <a:rPr lang="en-US" sz="1800" dirty="0">
+                <a:effectLst/>
+                <a:ea typeface="Calibri" panose="020F0502020204030204" pitchFamily="34" charset="0"/>
+                <a:cs typeface="Times New Roman" panose="02020603050405020304" pitchFamily="18" charset="0"/>
+              </a:rPr>
+              <a:t> Weight Z-Score  was used to portray growth rather than height </a:t>
+            </a:r>
+          </a:p>
+          <a:p>
+            <a:endParaRPr lang="en-US" dirty="0"/>
+          </a:p>
+        </p:txBody>
+      </p:sp>
+    </p:spTree>
+    <p:extLst>
+      <p:ext uri="{BB962C8B-B14F-4D97-AF65-F5344CB8AC3E}">
+        <p14:creationId xmlns:p14="http://schemas.microsoft.com/office/powerpoint/2010/main" val="245735249"/>
+      </p:ext>
+    </p:extLst>
+  </p:cSld>
+  <p:clrMapOvr>
+    <a:masterClrMapping/>
+  </p:clrMapOvr>
+</p:sld>
+</file>
+
+<file path=ppt/slides/slide21.xml><?xml version="1.0" encoding="utf-8"?>
+<p:sld xmlns:a="http://schemas.openxmlformats.org/drawingml/2006/main" xmlns:r="http://schemas.openxmlformats.org/officeDocument/2006/relationships" xmlns:p="http://schemas.openxmlformats.org/presentationml/2006/main">
+  <p:cSld>
+    <p:spTree>
+      <p:nvGrpSpPr>
+        <p:cNvPr id="1" name=""/>
+        <p:cNvGrpSpPr/>
+        <p:nvPr/>
+      </p:nvGrpSpPr>
+      <p:grpSpPr>
+        <a:xfrm>
+          <a:off x="0" y="0"/>
+          <a:ext cx="0" cy="0"/>
+          <a:chOff x="0" y="0"/>
+          <a:chExt cx="0" cy="0"/>
+        </a:xfrm>
+      </p:grpSpPr>
+      <p:sp>
+        <p:nvSpPr>
+          <p:cNvPr id="2" name="Title 1">
+            <a:extLst>
+              <a:ext uri="{FF2B5EF4-FFF2-40B4-BE49-F238E27FC236}">
                 <a16:creationId xmlns:a16="http://schemas.microsoft.com/office/drawing/2014/main" id="{1346F9B1-289C-41D3-AE44-20539409918E}"/>
               </a:ext>
             </a:extLst>
@@ -12105,9 +12167,10 @@
           <a:lstStyle/>
           <a:p>
             <a:r>
-              <a:rPr lang="en-US" dirty="0"/>
+              <a:rPr lang="en-US"/>
               <a:t>Results: Data Manipulation</a:t>
             </a:r>
+            <a:endParaRPr lang="en-US" dirty="0"/>
           </a:p>
         </p:txBody>
       </p:sp>
@@ -12370,7 +12433,7 @@
 </p:sld>
 </file>
 
-<file path=ppt/slides/slide21.xml><?xml version="1.0" encoding="utf-8"?>
+<file path=ppt/slides/slide22.xml><?xml version="1.0" encoding="utf-8"?>
 <p:sld xmlns:a="http://schemas.openxmlformats.org/drawingml/2006/main" xmlns:r="http://schemas.openxmlformats.org/officeDocument/2006/relationships" xmlns:p="http://schemas.openxmlformats.org/presentationml/2006/main">
   <p:cSld>
     <p:spTree>
@@ -12409,9 +12472,10 @@
           <a:lstStyle/>
           <a:p>
             <a:r>
-              <a:rPr lang="en-US" dirty="0"/>
+              <a:rPr lang="en-US"/>
               <a:t>Results: Data Manipulation</a:t>
             </a:r>
+            <a:endParaRPr lang="en-US" dirty="0"/>
           </a:p>
         </p:txBody>
       </p:sp>
@@ -12860,263 +12924,6 @@
 </p:sld>
 </file>
 
-<file path=ppt/slides/slide22.xml><?xml version="1.0" encoding="utf-8"?>
-<p:sld xmlns:a="http://schemas.openxmlformats.org/drawingml/2006/main" xmlns:r="http://schemas.openxmlformats.org/officeDocument/2006/relationships" xmlns:p="http://schemas.openxmlformats.org/presentationml/2006/main">
-  <p:cSld>
-    <p:spTree>
-      <p:nvGrpSpPr>
-        <p:cNvPr id="1" name=""/>
-        <p:cNvGrpSpPr/>
-        <p:nvPr/>
-      </p:nvGrpSpPr>
-      <p:grpSpPr>
-        <a:xfrm>
-          <a:off x="0" y="0"/>
-          <a:ext cx="0" cy="0"/>
-          <a:chOff x="0" y="0"/>
-          <a:chExt cx="0" cy="0"/>
-        </a:xfrm>
-      </p:grpSpPr>
-      <p:sp>
-        <p:nvSpPr>
-          <p:cNvPr id="2" name="Title 1">
-            <a:extLst>
-              <a:ext uri="{FF2B5EF4-FFF2-40B4-BE49-F238E27FC236}">
-                <a16:creationId xmlns:a16="http://schemas.microsoft.com/office/drawing/2014/main" id="{5D50144A-3A64-42B6-AFF8-065BF29669FD}"/>
-              </a:ext>
-            </a:extLst>
-          </p:cNvPr>
-          <p:cNvSpPr>
-            <a:spLocks noGrp="1"/>
-          </p:cNvSpPr>
-          <p:nvPr>
-            <p:ph type="title"/>
-          </p:nvPr>
-        </p:nvSpPr>
-        <p:spPr/>
-        <p:txBody>
-          <a:bodyPr/>
-          <a:lstStyle/>
-          <a:p>
-            <a:r>
-              <a:rPr lang="en-US" dirty="0"/>
-              <a:t>Results: Models Considered</a:t>
-            </a:r>
-          </a:p>
-        </p:txBody>
-      </p:sp>
-      <p:sp>
-        <p:nvSpPr>
-          <p:cNvPr id="4" name="Text Placeholder 3">
-            <a:extLst>
-              <a:ext uri="{FF2B5EF4-FFF2-40B4-BE49-F238E27FC236}">
-                <a16:creationId xmlns:a16="http://schemas.microsoft.com/office/drawing/2014/main" id="{3EEAF81C-26C4-4F80-83E6-A1A207B4BB82}"/>
-              </a:ext>
-            </a:extLst>
-          </p:cNvPr>
-          <p:cNvSpPr>
-            <a:spLocks noGrp="1"/>
-          </p:cNvSpPr>
-          <p:nvPr>
-            <p:ph type="body" idx="1"/>
-          </p:nvPr>
-        </p:nvSpPr>
-        <p:spPr/>
-        <p:txBody>
-          <a:bodyPr/>
-          <a:lstStyle/>
-          <a:p>
-            <a:r>
-              <a:rPr lang="en-US" dirty="0"/>
-              <a:t>Minimum Observations</a:t>
-            </a:r>
-          </a:p>
-        </p:txBody>
-      </p:sp>
-      <p:sp>
-        <p:nvSpPr>
-          <p:cNvPr id="3" name="Content Placeholder 2">
-            <a:extLst>
-              <a:ext uri="{FF2B5EF4-FFF2-40B4-BE49-F238E27FC236}">
-                <a16:creationId xmlns:a16="http://schemas.microsoft.com/office/drawing/2014/main" id="{AA126570-BF32-423D-8ADA-9775992672AD}"/>
-              </a:ext>
-            </a:extLst>
-          </p:cNvPr>
-          <p:cNvSpPr>
-            <a:spLocks noGrp="1"/>
-          </p:cNvSpPr>
-          <p:nvPr>
-            <p:ph sz="half" idx="2"/>
-          </p:nvPr>
-        </p:nvSpPr>
-        <p:spPr/>
-        <p:txBody>
-          <a:bodyPr>
-            <a:normAutofit/>
-          </a:bodyPr>
-          <a:lstStyle/>
-          <a:p>
-            <a:pPr marL="0">
-              <a:lnSpc>
-                <a:spcPct val="100000"/>
-              </a:lnSpc>
-              <a:spcBef>
-                <a:spcPts val="0"/>
-              </a:spcBef>
-            </a:pPr>
-            <a:r>
-              <a:rPr lang="en-US" sz="2400" dirty="0">
-                <a:effectLst/>
-                <a:ea typeface="Calibri" panose="020F0502020204030204" pitchFamily="34" charset="0"/>
-                <a:cs typeface="Times New Roman" panose="02020603050405020304" pitchFamily="18" charset="0"/>
-              </a:rPr>
-              <a:t>Out of 205 subjects, 5 had 1 sample and 8 had 2 samples</a:t>
-            </a:r>
-          </a:p>
-          <a:p>
-            <a:pPr marL="0">
-              <a:lnSpc>
-                <a:spcPct val="100000"/>
-              </a:lnSpc>
-              <a:spcBef>
-                <a:spcPts val="0"/>
-              </a:spcBef>
-            </a:pPr>
-            <a:endParaRPr lang="en-US" sz="2400" dirty="0">
-              <a:effectLst/>
-              <a:ea typeface="Calibri" panose="020F0502020204030204" pitchFamily="34" charset="0"/>
-              <a:cs typeface="Times New Roman" panose="02020603050405020304" pitchFamily="18" charset="0"/>
-            </a:endParaRPr>
-          </a:p>
-          <a:p>
-            <a:pPr marL="0">
-              <a:lnSpc>
-                <a:spcPct val="100000"/>
-              </a:lnSpc>
-              <a:spcBef>
-                <a:spcPts val="0"/>
-              </a:spcBef>
-            </a:pPr>
-            <a:r>
-              <a:rPr lang="en-US" sz="2400" dirty="0">
-                <a:effectLst/>
-                <a:ea typeface="Calibri" panose="020F0502020204030204" pitchFamily="34" charset="0"/>
-                <a:cs typeface="Times New Roman" panose="02020603050405020304" pitchFamily="18" charset="0"/>
-              </a:rPr>
-              <a:t>3 sample minimum models had a better fit than those using a minimum of 2</a:t>
-            </a:r>
-            <a:endParaRPr lang="en-US" sz="2400" dirty="0">
-              <a:effectLst/>
-              <a:latin typeface="Calibri" panose="020F0502020204030204" pitchFamily="34" charset="0"/>
-              <a:ea typeface="Calibri" panose="020F0502020204030204" pitchFamily="34" charset="0"/>
-              <a:cs typeface="Times New Roman" panose="02020603050405020304" pitchFamily="18" charset="0"/>
-            </a:endParaRPr>
-          </a:p>
-        </p:txBody>
-      </p:sp>
-      <p:sp>
-        <p:nvSpPr>
-          <p:cNvPr id="5" name="Text Placeholder 4">
-            <a:extLst>
-              <a:ext uri="{FF2B5EF4-FFF2-40B4-BE49-F238E27FC236}">
-                <a16:creationId xmlns:a16="http://schemas.microsoft.com/office/drawing/2014/main" id="{B1C03A70-A5D8-48FB-AA37-260CD8E84E8C}"/>
-              </a:ext>
-            </a:extLst>
-          </p:cNvPr>
-          <p:cNvSpPr>
-            <a:spLocks noGrp="1"/>
-          </p:cNvSpPr>
-          <p:nvPr>
-            <p:ph type="body" sz="quarter" idx="3"/>
-          </p:nvPr>
-        </p:nvSpPr>
-        <p:spPr/>
-        <p:txBody>
-          <a:bodyPr/>
-          <a:lstStyle/>
-          <a:p>
-            <a:r>
-              <a:rPr lang="en-US" dirty="0"/>
-              <a:t>Time Measurements</a:t>
-            </a:r>
-          </a:p>
-        </p:txBody>
-      </p:sp>
-      <p:sp>
-        <p:nvSpPr>
-          <p:cNvPr id="6" name="Content Placeholder 5">
-            <a:extLst>
-              <a:ext uri="{FF2B5EF4-FFF2-40B4-BE49-F238E27FC236}">
-                <a16:creationId xmlns:a16="http://schemas.microsoft.com/office/drawing/2014/main" id="{1576B1B2-0EAE-4B0C-B363-C223CF4B603F}"/>
-              </a:ext>
-            </a:extLst>
-          </p:cNvPr>
-          <p:cNvSpPr>
-            <a:spLocks noGrp="1"/>
-          </p:cNvSpPr>
-          <p:nvPr>
-            <p:ph sz="quarter" idx="4"/>
-          </p:nvPr>
-        </p:nvSpPr>
-        <p:spPr>
-          <a:xfrm>
-            <a:off x="6169024" y="2505075"/>
-            <a:ext cx="5183188" cy="3684588"/>
-          </a:xfrm>
-        </p:spPr>
-        <p:txBody>
-          <a:bodyPr>
-            <a:normAutofit/>
-          </a:bodyPr>
-          <a:lstStyle/>
-          <a:p>
-            <a:r>
-              <a:rPr lang="en-US" sz="2400" dirty="0">
-                <a:effectLst/>
-                <a:ea typeface="Calibri" panose="020F0502020204030204" pitchFamily="34" charset="0"/>
-                <a:cs typeface="Times New Roman" panose="02020603050405020304" pitchFamily="18" charset="0"/>
-              </a:rPr>
-              <a:t>Continuous age and integer age measurements yielded similar results</a:t>
-            </a:r>
-          </a:p>
-          <a:p>
-            <a:pPr marL="0" indent="0">
-              <a:buNone/>
-            </a:pPr>
-            <a:endParaRPr lang="en-US" sz="2400" dirty="0">
-              <a:effectLst/>
-              <a:ea typeface="Calibri" panose="020F0502020204030204" pitchFamily="34" charset="0"/>
-              <a:cs typeface="Times New Roman" panose="02020603050405020304" pitchFamily="18" charset="0"/>
-            </a:endParaRPr>
-          </a:p>
-          <a:p>
-            <a:r>
-              <a:rPr lang="en-US" sz="2400" dirty="0">
-                <a:effectLst/>
-                <a:ea typeface="Calibri" panose="020F0502020204030204" pitchFamily="34" charset="0"/>
-                <a:cs typeface="Times New Roman" panose="02020603050405020304" pitchFamily="18" charset="0"/>
-              </a:rPr>
-              <a:t> Age as an integer was used for simplicity</a:t>
-            </a:r>
-          </a:p>
-          <a:p>
-            <a:endParaRPr lang="en-US" dirty="0"/>
-          </a:p>
-        </p:txBody>
-      </p:sp>
-    </p:spTree>
-    <p:extLst>
-      <p:ext uri="{BB962C8B-B14F-4D97-AF65-F5344CB8AC3E}">
-        <p14:creationId xmlns:p14="http://schemas.microsoft.com/office/powerpoint/2010/main" val="1932544386"/>
-      </p:ext>
-    </p:extLst>
-  </p:cSld>
-  <p:clrMapOvr>
-    <a:masterClrMapping/>
-  </p:clrMapOvr>
-</p:sld>
-</file>
-
 <file path=ppt/slides/slide23.xml><?xml version="1.0" encoding="utf-8"?>
 <p:sld xmlns:a="http://schemas.openxmlformats.org/drawingml/2006/main" xmlns:r="http://schemas.openxmlformats.org/officeDocument/2006/relationships" xmlns:p="http://schemas.openxmlformats.org/presentationml/2006/main">
   <p:cSld>
@@ -13185,7 +12992,7 @@
           <a:p>
             <a:r>
               <a:rPr lang="en-US" dirty="0"/>
-              <a:t>Transformation</a:t>
+              <a:t>Minimum Observations</a:t>
             </a:r>
           </a:p>
         </p:txBody>
@@ -13227,6 +13034,263 @@
                 <a:ea typeface="Calibri" panose="020F0502020204030204" pitchFamily="34" charset="0"/>
                 <a:cs typeface="Times New Roman" panose="02020603050405020304" pitchFamily="18" charset="0"/>
               </a:rPr>
+              <a:t>Out of 205 subjects, 5 had 1 sample and 8 had 2 samples</a:t>
+            </a:r>
+          </a:p>
+          <a:p>
+            <a:pPr marL="0">
+              <a:lnSpc>
+                <a:spcPct val="100000"/>
+              </a:lnSpc>
+              <a:spcBef>
+                <a:spcPts val="0"/>
+              </a:spcBef>
+            </a:pPr>
+            <a:endParaRPr lang="en-US" sz="2400" dirty="0">
+              <a:effectLst/>
+              <a:ea typeface="Calibri" panose="020F0502020204030204" pitchFamily="34" charset="0"/>
+              <a:cs typeface="Times New Roman" panose="02020603050405020304" pitchFamily="18" charset="0"/>
+            </a:endParaRPr>
+          </a:p>
+          <a:p>
+            <a:pPr marL="0">
+              <a:lnSpc>
+                <a:spcPct val="100000"/>
+              </a:lnSpc>
+              <a:spcBef>
+                <a:spcPts val="0"/>
+              </a:spcBef>
+            </a:pPr>
+            <a:r>
+              <a:rPr lang="en-US" sz="2400" dirty="0">
+                <a:effectLst/>
+                <a:ea typeface="Calibri" panose="020F0502020204030204" pitchFamily="34" charset="0"/>
+                <a:cs typeface="Times New Roman" panose="02020603050405020304" pitchFamily="18" charset="0"/>
+              </a:rPr>
+              <a:t>3 sample minimum models had a better fit than those using a minimum of 2</a:t>
+            </a:r>
+            <a:endParaRPr lang="en-US" sz="2400" dirty="0">
+              <a:effectLst/>
+              <a:latin typeface="Calibri" panose="020F0502020204030204" pitchFamily="34" charset="0"/>
+              <a:ea typeface="Calibri" panose="020F0502020204030204" pitchFamily="34" charset="0"/>
+              <a:cs typeface="Times New Roman" panose="02020603050405020304" pitchFamily="18" charset="0"/>
+            </a:endParaRPr>
+          </a:p>
+        </p:txBody>
+      </p:sp>
+      <p:sp>
+        <p:nvSpPr>
+          <p:cNvPr id="5" name="Text Placeholder 4">
+            <a:extLst>
+              <a:ext uri="{FF2B5EF4-FFF2-40B4-BE49-F238E27FC236}">
+                <a16:creationId xmlns:a16="http://schemas.microsoft.com/office/drawing/2014/main" id="{B1C03A70-A5D8-48FB-AA37-260CD8E84E8C}"/>
+              </a:ext>
+            </a:extLst>
+          </p:cNvPr>
+          <p:cNvSpPr>
+            <a:spLocks noGrp="1"/>
+          </p:cNvSpPr>
+          <p:nvPr>
+            <p:ph type="body" sz="quarter" idx="3"/>
+          </p:nvPr>
+        </p:nvSpPr>
+        <p:spPr/>
+        <p:txBody>
+          <a:bodyPr/>
+          <a:lstStyle/>
+          <a:p>
+            <a:r>
+              <a:rPr lang="en-US" dirty="0"/>
+              <a:t>Time Measurements</a:t>
+            </a:r>
+          </a:p>
+        </p:txBody>
+      </p:sp>
+      <p:sp>
+        <p:nvSpPr>
+          <p:cNvPr id="6" name="Content Placeholder 5">
+            <a:extLst>
+              <a:ext uri="{FF2B5EF4-FFF2-40B4-BE49-F238E27FC236}">
+                <a16:creationId xmlns:a16="http://schemas.microsoft.com/office/drawing/2014/main" id="{1576B1B2-0EAE-4B0C-B363-C223CF4B603F}"/>
+              </a:ext>
+            </a:extLst>
+          </p:cNvPr>
+          <p:cNvSpPr>
+            <a:spLocks noGrp="1"/>
+          </p:cNvSpPr>
+          <p:nvPr>
+            <p:ph sz="quarter" idx="4"/>
+          </p:nvPr>
+        </p:nvSpPr>
+        <p:spPr>
+          <a:xfrm>
+            <a:off x="6169024" y="2505075"/>
+            <a:ext cx="5183188" cy="3684588"/>
+          </a:xfrm>
+        </p:spPr>
+        <p:txBody>
+          <a:bodyPr>
+            <a:normAutofit/>
+          </a:bodyPr>
+          <a:lstStyle/>
+          <a:p>
+            <a:r>
+              <a:rPr lang="en-US" sz="2400" dirty="0">
+                <a:effectLst/>
+                <a:ea typeface="Calibri" panose="020F0502020204030204" pitchFamily="34" charset="0"/>
+                <a:cs typeface="Times New Roman" panose="02020603050405020304" pitchFamily="18" charset="0"/>
+              </a:rPr>
+              <a:t>Continuous age and integer age measurements yielded similar results</a:t>
+            </a:r>
+          </a:p>
+          <a:p>
+            <a:pPr marL="0" indent="0">
+              <a:buNone/>
+            </a:pPr>
+            <a:endParaRPr lang="en-US" sz="2400" dirty="0">
+              <a:effectLst/>
+              <a:ea typeface="Calibri" panose="020F0502020204030204" pitchFamily="34" charset="0"/>
+              <a:cs typeface="Times New Roman" panose="02020603050405020304" pitchFamily="18" charset="0"/>
+            </a:endParaRPr>
+          </a:p>
+          <a:p>
+            <a:r>
+              <a:rPr lang="en-US" sz="2400" dirty="0">
+                <a:effectLst/>
+                <a:ea typeface="Calibri" panose="020F0502020204030204" pitchFamily="34" charset="0"/>
+                <a:cs typeface="Times New Roman" panose="02020603050405020304" pitchFamily="18" charset="0"/>
+              </a:rPr>
+              <a:t> Age as an integer was used for simplicity</a:t>
+            </a:r>
+          </a:p>
+          <a:p>
+            <a:endParaRPr lang="en-US" dirty="0"/>
+          </a:p>
+        </p:txBody>
+      </p:sp>
+    </p:spTree>
+    <p:extLst>
+      <p:ext uri="{BB962C8B-B14F-4D97-AF65-F5344CB8AC3E}">
+        <p14:creationId xmlns:p14="http://schemas.microsoft.com/office/powerpoint/2010/main" val="1932544386"/>
+      </p:ext>
+    </p:extLst>
+  </p:cSld>
+  <p:clrMapOvr>
+    <a:masterClrMapping/>
+  </p:clrMapOvr>
+</p:sld>
+</file>
+
+<file path=ppt/slides/slide24.xml><?xml version="1.0" encoding="utf-8"?>
+<p:sld xmlns:a="http://schemas.openxmlformats.org/drawingml/2006/main" xmlns:r="http://schemas.openxmlformats.org/officeDocument/2006/relationships" xmlns:p="http://schemas.openxmlformats.org/presentationml/2006/main">
+  <p:cSld>
+    <p:spTree>
+      <p:nvGrpSpPr>
+        <p:cNvPr id="1" name=""/>
+        <p:cNvGrpSpPr/>
+        <p:nvPr/>
+      </p:nvGrpSpPr>
+      <p:grpSpPr>
+        <a:xfrm>
+          <a:off x="0" y="0"/>
+          <a:ext cx="0" cy="0"/>
+          <a:chOff x="0" y="0"/>
+          <a:chExt cx="0" cy="0"/>
+        </a:xfrm>
+      </p:grpSpPr>
+      <p:sp>
+        <p:nvSpPr>
+          <p:cNvPr id="2" name="Title 1">
+            <a:extLst>
+              <a:ext uri="{FF2B5EF4-FFF2-40B4-BE49-F238E27FC236}">
+                <a16:creationId xmlns:a16="http://schemas.microsoft.com/office/drawing/2014/main" id="{5D50144A-3A64-42B6-AFF8-065BF29669FD}"/>
+              </a:ext>
+            </a:extLst>
+          </p:cNvPr>
+          <p:cNvSpPr>
+            <a:spLocks noGrp="1"/>
+          </p:cNvSpPr>
+          <p:nvPr>
+            <p:ph type="title"/>
+          </p:nvPr>
+        </p:nvSpPr>
+        <p:spPr/>
+        <p:txBody>
+          <a:bodyPr/>
+          <a:lstStyle/>
+          <a:p>
+            <a:r>
+              <a:rPr lang="en-US" dirty="0"/>
+              <a:t>Results: Models Considered</a:t>
+            </a:r>
+          </a:p>
+        </p:txBody>
+      </p:sp>
+      <p:sp>
+        <p:nvSpPr>
+          <p:cNvPr id="4" name="Text Placeholder 3">
+            <a:extLst>
+              <a:ext uri="{FF2B5EF4-FFF2-40B4-BE49-F238E27FC236}">
+                <a16:creationId xmlns:a16="http://schemas.microsoft.com/office/drawing/2014/main" id="{3EEAF81C-26C4-4F80-83E6-A1A207B4BB82}"/>
+              </a:ext>
+            </a:extLst>
+          </p:cNvPr>
+          <p:cNvSpPr>
+            <a:spLocks noGrp="1"/>
+          </p:cNvSpPr>
+          <p:nvPr>
+            <p:ph type="body" idx="1"/>
+          </p:nvPr>
+        </p:nvSpPr>
+        <p:spPr/>
+        <p:txBody>
+          <a:bodyPr/>
+          <a:lstStyle/>
+          <a:p>
+            <a:r>
+              <a:rPr lang="en-US" dirty="0"/>
+              <a:t>Transformation</a:t>
+            </a:r>
+          </a:p>
+        </p:txBody>
+      </p:sp>
+      <p:sp>
+        <p:nvSpPr>
+          <p:cNvPr id="3" name="Content Placeholder 2">
+            <a:extLst>
+              <a:ext uri="{FF2B5EF4-FFF2-40B4-BE49-F238E27FC236}">
+                <a16:creationId xmlns:a16="http://schemas.microsoft.com/office/drawing/2014/main" id="{AA126570-BF32-423D-8ADA-9775992672AD}"/>
+              </a:ext>
+            </a:extLst>
+          </p:cNvPr>
+          <p:cNvSpPr>
+            <a:spLocks noGrp="1"/>
+          </p:cNvSpPr>
+          <p:nvPr>
+            <p:ph sz="half" idx="2"/>
+          </p:nvPr>
+        </p:nvSpPr>
+        <p:spPr/>
+        <p:txBody>
+          <a:bodyPr>
+            <a:normAutofit/>
+          </a:bodyPr>
+          <a:lstStyle/>
+          <a:p>
+            <a:pPr marL="0">
+              <a:lnSpc>
+                <a:spcPct val="100000"/>
+              </a:lnSpc>
+              <a:spcBef>
+                <a:spcPts val="0"/>
+              </a:spcBef>
+            </a:pPr>
+            <a:r>
+              <a:rPr lang="en-US" sz="2400" dirty="0">
+                <a:effectLst/>
+                <a:ea typeface="Calibri" panose="020F0502020204030204" pitchFamily="34" charset="0"/>
+                <a:cs typeface="Times New Roman" panose="02020603050405020304" pitchFamily="18" charset="0"/>
+              </a:rPr>
               <a:t>Several multivariate ILR models</a:t>
             </a:r>
           </a:p>
@@ -13428,7 +13492,7 @@
 </p:sld>
 </file>
 
-<file path=ppt/slides/slide24.xml><?xml version="1.0" encoding="utf-8"?>
+<file path=ppt/slides/slide25.xml><?xml version="1.0" encoding="utf-8"?>
 <p:sld xmlns:a="http://schemas.openxmlformats.org/drawingml/2006/main" xmlns:r="http://schemas.openxmlformats.org/officeDocument/2006/relationships" xmlns:p="http://schemas.openxmlformats.org/presentationml/2006/main">
   <p:cSld>
     <p:spTree>
@@ -15994,187 +16058,6 @@
 </p:sld>
 </file>
 
-<file path=ppt/slides/slide25.xml><?xml version="1.0" encoding="utf-8"?>
-<p:sld xmlns:a="http://schemas.openxmlformats.org/drawingml/2006/main" xmlns:r="http://schemas.openxmlformats.org/officeDocument/2006/relationships" xmlns:p="http://schemas.openxmlformats.org/presentationml/2006/main">
-  <p:cSld>
-    <p:spTree>
-      <p:nvGrpSpPr>
-        <p:cNvPr id="1" name=""/>
-        <p:cNvGrpSpPr/>
-        <p:nvPr/>
-      </p:nvGrpSpPr>
-      <p:grpSpPr>
-        <a:xfrm>
-          <a:off x="0" y="0"/>
-          <a:ext cx="0" cy="0"/>
-          <a:chOff x="0" y="0"/>
-          <a:chExt cx="0" cy="0"/>
-        </a:xfrm>
-      </p:grpSpPr>
-      <p:sp>
-        <p:nvSpPr>
-          <p:cNvPr id="2" name="Title 1">
-            <a:extLst>
-              <a:ext uri="{FF2B5EF4-FFF2-40B4-BE49-F238E27FC236}">
-                <a16:creationId xmlns:a16="http://schemas.microsoft.com/office/drawing/2014/main" id="{51BE5E99-7226-4AA2-BA5B-4BCD8AD2E4D5}"/>
-              </a:ext>
-            </a:extLst>
-          </p:cNvPr>
-          <p:cNvSpPr>
-            <a:spLocks noGrp="1"/>
-          </p:cNvSpPr>
-          <p:nvPr>
-            <p:ph type="title"/>
-          </p:nvPr>
-        </p:nvSpPr>
-        <p:spPr/>
-        <p:txBody>
-          <a:bodyPr/>
-          <a:lstStyle/>
-          <a:p>
-            <a:r>
-              <a:rPr lang="en-US" dirty="0"/>
-              <a:t>Results: Model Chosen</a:t>
-            </a:r>
-          </a:p>
-        </p:txBody>
-      </p:sp>
-      <p:sp>
-        <p:nvSpPr>
-          <p:cNvPr id="3" name="Content Placeholder 2">
-            <a:extLst>
-              <a:ext uri="{FF2B5EF4-FFF2-40B4-BE49-F238E27FC236}">
-                <a16:creationId xmlns:a16="http://schemas.microsoft.com/office/drawing/2014/main" id="{63DBB4E9-4275-45D6-B56E-9C96329EAF8C}"/>
-              </a:ext>
-            </a:extLst>
-          </p:cNvPr>
-          <p:cNvSpPr>
-            <a:spLocks noGrp="1"/>
-          </p:cNvSpPr>
-          <p:nvPr>
-            <p:ph idx="1"/>
-          </p:nvPr>
-        </p:nvSpPr>
-        <p:spPr/>
-        <p:txBody>
-          <a:bodyPr>
-            <a:normAutofit/>
-          </a:bodyPr>
-          <a:lstStyle/>
-          <a:p>
-            <a:r>
-              <a:rPr lang="en-US" sz="2800" dirty="0">
-                <a:effectLst/>
-                <a:ea typeface="Calibri" panose="020F0502020204030204" pitchFamily="34" charset="0"/>
-                <a:cs typeface="Times New Roman" panose="02020603050405020304" pitchFamily="18" charset="0"/>
-              </a:rPr>
-              <a:t>Univariate CLR transformed </a:t>
-            </a:r>
-            <a:r>
-              <a:rPr lang="en-US" sz="2800" i="1" dirty="0">
-                <a:effectLst/>
-                <a:ea typeface="Calibri" panose="020F0502020204030204" pitchFamily="34" charset="0"/>
-                <a:cs typeface="Times New Roman" panose="02020603050405020304" pitchFamily="18" charset="0"/>
-              </a:rPr>
-              <a:t>Streptococcus</a:t>
-            </a:r>
-            <a:r>
-              <a:rPr lang="en-US" sz="2800" dirty="0">
-                <a:effectLst/>
-                <a:ea typeface="Calibri" panose="020F0502020204030204" pitchFamily="34" charset="0"/>
-                <a:cs typeface="Times New Roman" panose="02020603050405020304" pitchFamily="18" charset="0"/>
-              </a:rPr>
-              <a:t> </a:t>
-            </a:r>
-            <a:r>
-              <a:rPr lang="en-US" dirty="0">
-                <a:ea typeface="Calibri" panose="020F0502020204030204" pitchFamily="34" charset="0"/>
-                <a:cs typeface="Times New Roman" panose="02020603050405020304" pitchFamily="18" charset="0"/>
-              </a:rPr>
-              <a:t>outcome</a:t>
-            </a:r>
-          </a:p>
-          <a:p>
-            <a:r>
-              <a:rPr lang="en-US" sz="2800" dirty="0">
-                <a:effectLst/>
-                <a:ea typeface="Calibri" panose="020F0502020204030204" pitchFamily="34" charset="0"/>
-                <a:cs typeface="Times New Roman" panose="02020603050405020304" pitchFamily="18" charset="0"/>
-              </a:rPr>
-              <a:t>3 observations minimum/Subj</a:t>
-            </a:r>
-          </a:p>
-          <a:p>
-            <a:r>
-              <a:rPr lang="en-US" sz="2800" dirty="0">
-                <a:effectLst/>
-                <a:ea typeface="Calibri" panose="020F0502020204030204" pitchFamily="34" charset="0"/>
-                <a:cs typeface="Times New Roman" panose="02020603050405020304" pitchFamily="18" charset="0"/>
-              </a:rPr>
-              <a:t>spline trajectories </a:t>
-            </a:r>
-          </a:p>
-          <a:p>
-            <a:r>
-              <a:rPr lang="en-US" dirty="0">
-                <a:ea typeface="Calibri" panose="020F0502020204030204" pitchFamily="34" charset="0"/>
-                <a:cs typeface="Times New Roman" panose="02020603050405020304" pitchFamily="18" charset="0"/>
-              </a:rPr>
-              <a:t>Discrete time</a:t>
-            </a:r>
-          </a:p>
-          <a:p>
-            <a:r>
-              <a:rPr lang="en-US" dirty="0">
-                <a:ea typeface="Calibri" panose="020F0502020204030204" pitchFamily="34" charset="0"/>
-                <a:cs typeface="Times New Roman" panose="02020603050405020304" pitchFamily="18" charset="0"/>
-              </a:rPr>
-              <a:t>Random Intercept, Random slope for Age</a:t>
-            </a:r>
-          </a:p>
-          <a:p>
-            <a:pPr lvl="1"/>
-            <a:r>
-              <a:rPr lang="en-US" dirty="0">
-                <a:ea typeface="Calibri" panose="020F0502020204030204" pitchFamily="34" charset="0"/>
-                <a:cs typeface="Times New Roman" panose="02020603050405020304" pitchFamily="18" charset="0"/>
-              </a:rPr>
-              <a:t>Age slopes allowed to vary across classes</a:t>
-            </a:r>
-          </a:p>
-          <a:p>
-            <a:r>
-              <a:rPr lang="en-US" dirty="0">
-                <a:effectLst/>
-                <a:ea typeface="Calibri" panose="020F0502020204030204" pitchFamily="34" charset="0"/>
-                <a:cs typeface="Times New Roman" panose="02020603050405020304" pitchFamily="18" charset="0"/>
-              </a:rPr>
-              <a:t>4 latent classes</a:t>
-            </a:r>
-            <a:endParaRPr lang="en-US" dirty="0">
-              <a:latin typeface="Arial" panose="020B0604020202020204" pitchFamily="34" charset="0"/>
-              <a:cs typeface="Times New Roman" panose="02020603050405020304" pitchFamily="18" charset="0"/>
-            </a:endParaRPr>
-          </a:p>
-          <a:p>
-            <a:pPr lvl="1"/>
-            <a:endParaRPr lang="en-US" dirty="0"/>
-          </a:p>
-        </p:txBody>
-      </p:sp>
-    </p:spTree>
-    <p:extLst>
-      <p:ext uri="{BB962C8B-B14F-4D97-AF65-F5344CB8AC3E}">
-        <p14:creationId xmlns:p14="http://schemas.microsoft.com/office/powerpoint/2010/main" val="832911211"/>
-      </p:ext>
-    </p:extLst>
-  </p:cSld>
-  <p:clrMapOvr>
-    <a:masterClrMapping/>
-  </p:clrMapOvr>
-</p:sld>
-</file>
-
 <file path=ppt/slides/slide26.xml><?xml version="1.0" encoding="utf-8"?>
 <p:sld xmlns:a="http://schemas.openxmlformats.org/drawingml/2006/main" xmlns:r="http://schemas.openxmlformats.org/officeDocument/2006/relationships" xmlns:p="http://schemas.openxmlformats.org/presentationml/2006/main">
   <p:cSld>
@@ -16197,6 +16080,187 @@
           <p:cNvPr id="2" name="Title 1">
             <a:extLst>
               <a:ext uri="{FF2B5EF4-FFF2-40B4-BE49-F238E27FC236}">
+                <a16:creationId xmlns:a16="http://schemas.microsoft.com/office/drawing/2014/main" id="{51BE5E99-7226-4AA2-BA5B-4BCD8AD2E4D5}"/>
+              </a:ext>
+            </a:extLst>
+          </p:cNvPr>
+          <p:cNvSpPr>
+            <a:spLocks noGrp="1"/>
+          </p:cNvSpPr>
+          <p:nvPr>
+            <p:ph type="title"/>
+          </p:nvPr>
+        </p:nvSpPr>
+        <p:spPr/>
+        <p:txBody>
+          <a:bodyPr/>
+          <a:lstStyle/>
+          <a:p>
+            <a:r>
+              <a:rPr lang="en-US" dirty="0"/>
+              <a:t>Results: Model Chosen</a:t>
+            </a:r>
+          </a:p>
+        </p:txBody>
+      </p:sp>
+      <p:sp>
+        <p:nvSpPr>
+          <p:cNvPr id="3" name="Content Placeholder 2">
+            <a:extLst>
+              <a:ext uri="{FF2B5EF4-FFF2-40B4-BE49-F238E27FC236}">
+                <a16:creationId xmlns:a16="http://schemas.microsoft.com/office/drawing/2014/main" id="{63DBB4E9-4275-45D6-B56E-9C96329EAF8C}"/>
+              </a:ext>
+            </a:extLst>
+          </p:cNvPr>
+          <p:cNvSpPr>
+            <a:spLocks noGrp="1"/>
+          </p:cNvSpPr>
+          <p:nvPr>
+            <p:ph idx="1"/>
+          </p:nvPr>
+        </p:nvSpPr>
+        <p:spPr/>
+        <p:txBody>
+          <a:bodyPr>
+            <a:normAutofit/>
+          </a:bodyPr>
+          <a:lstStyle/>
+          <a:p>
+            <a:r>
+              <a:rPr lang="en-US" sz="2800" dirty="0">
+                <a:effectLst/>
+                <a:ea typeface="Calibri" panose="020F0502020204030204" pitchFamily="34" charset="0"/>
+                <a:cs typeface="Times New Roman" panose="02020603050405020304" pitchFamily="18" charset="0"/>
+              </a:rPr>
+              <a:t>Univariate CLR transformed </a:t>
+            </a:r>
+            <a:r>
+              <a:rPr lang="en-US" sz="2800" i="1" dirty="0">
+                <a:effectLst/>
+                <a:ea typeface="Calibri" panose="020F0502020204030204" pitchFamily="34" charset="0"/>
+                <a:cs typeface="Times New Roman" panose="02020603050405020304" pitchFamily="18" charset="0"/>
+              </a:rPr>
+              <a:t>Streptococcus</a:t>
+            </a:r>
+            <a:r>
+              <a:rPr lang="en-US" sz="2800" dirty="0">
+                <a:effectLst/>
+                <a:ea typeface="Calibri" panose="020F0502020204030204" pitchFamily="34" charset="0"/>
+                <a:cs typeface="Times New Roman" panose="02020603050405020304" pitchFamily="18" charset="0"/>
+              </a:rPr>
+              <a:t> </a:t>
+            </a:r>
+            <a:r>
+              <a:rPr lang="en-US" dirty="0">
+                <a:ea typeface="Calibri" panose="020F0502020204030204" pitchFamily="34" charset="0"/>
+                <a:cs typeface="Times New Roman" panose="02020603050405020304" pitchFamily="18" charset="0"/>
+              </a:rPr>
+              <a:t>outcome</a:t>
+            </a:r>
+          </a:p>
+          <a:p>
+            <a:r>
+              <a:rPr lang="en-US" sz="2800" dirty="0">
+                <a:effectLst/>
+                <a:ea typeface="Calibri" panose="020F0502020204030204" pitchFamily="34" charset="0"/>
+                <a:cs typeface="Times New Roman" panose="02020603050405020304" pitchFamily="18" charset="0"/>
+              </a:rPr>
+              <a:t>3 observations minimum/Subj</a:t>
+            </a:r>
+          </a:p>
+          <a:p>
+            <a:r>
+              <a:rPr lang="en-US" sz="2800" dirty="0">
+                <a:effectLst/>
+                <a:ea typeface="Calibri" panose="020F0502020204030204" pitchFamily="34" charset="0"/>
+                <a:cs typeface="Times New Roman" panose="02020603050405020304" pitchFamily="18" charset="0"/>
+              </a:rPr>
+              <a:t>spline trajectories </a:t>
+            </a:r>
+          </a:p>
+          <a:p>
+            <a:r>
+              <a:rPr lang="en-US" dirty="0">
+                <a:ea typeface="Calibri" panose="020F0502020204030204" pitchFamily="34" charset="0"/>
+                <a:cs typeface="Times New Roman" panose="02020603050405020304" pitchFamily="18" charset="0"/>
+              </a:rPr>
+              <a:t>Discrete time</a:t>
+            </a:r>
+          </a:p>
+          <a:p>
+            <a:r>
+              <a:rPr lang="en-US" dirty="0">
+                <a:ea typeface="Calibri" panose="020F0502020204030204" pitchFamily="34" charset="0"/>
+                <a:cs typeface="Times New Roman" panose="02020603050405020304" pitchFamily="18" charset="0"/>
+              </a:rPr>
+              <a:t>Random Intercept, Random slope for Age</a:t>
+            </a:r>
+          </a:p>
+          <a:p>
+            <a:pPr lvl="1"/>
+            <a:r>
+              <a:rPr lang="en-US" dirty="0">
+                <a:ea typeface="Calibri" panose="020F0502020204030204" pitchFamily="34" charset="0"/>
+                <a:cs typeface="Times New Roman" panose="02020603050405020304" pitchFamily="18" charset="0"/>
+              </a:rPr>
+              <a:t>Age slopes allowed to vary across classes</a:t>
+            </a:r>
+          </a:p>
+          <a:p>
+            <a:r>
+              <a:rPr lang="en-US" dirty="0">
+                <a:effectLst/>
+                <a:ea typeface="Calibri" panose="020F0502020204030204" pitchFamily="34" charset="0"/>
+                <a:cs typeface="Times New Roman" panose="02020603050405020304" pitchFamily="18" charset="0"/>
+              </a:rPr>
+              <a:t>4 latent classes (n = 2, 12, 125, 52)</a:t>
+            </a:r>
+            <a:endParaRPr lang="en-US" dirty="0">
+              <a:latin typeface="Arial" panose="020B0604020202020204" pitchFamily="34" charset="0"/>
+              <a:cs typeface="Times New Roman" panose="02020603050405020304" pitchFamily="18" charset="0"/>
+            </a:endParaRPr>
+          </a:p>
+          <a:p>
+            <a:pPr lvl="1"/>
+            <a:endParaRPr lang="en-US" dirty="0"/>
+          </a:p>
+        </p:txBody>
+      </p:sp>
+    </p:spTree>
+    <p:extLst>
+      <p:ext uri="{BB962C8B-B14F-4D97-AF65-F5344CB8AC3E}">
+        <p14:creationId xmlns:p14="http://schemas.microsoft.com/office/powerpoint/2010/main" val="832911211"/>
+      </p:ext>
+    </p:extLst>
+  </p:cSld>
+  <p:clrMapOvr>
+    <a:masterClrMapping/>
+  </p:clrMapOvr>
+</p:sld>
+</file>
+
+<file path=ppt/slides/slide27.xml><?xml version="1.0" encoding="utf-8"?>
+<p:sld xmlns:a="http://schemas.openxmlformats.org/drawingml/2006/main" xmlns:r="http://schemas.openxmlformats.org/officeDocument/2006/relationships" xmlns:p="http://schemas.openxmlformats.org/presentationml/2006/main">
+  <p:cSld>
+    <p:spTree>
+      <p:nvGrpSpPr>
+        <p:cNvPr id="1" name=""/>
+        <p:cNvGrpSpPr/>
+        <p:nvPr/>
+      </p:nvGrpSpPr>
+      <p:grpSpPr>
+        <a:xfrm>
+          <a:off x="0" y="0"/>
+          <a:ext cx="0" cy="0"/>
+          <a:chOff x="0" y="0"/>
+          <a:chExt cx="0" cy="0"/>
+        </a:xfrm>
+      </p:grpSpPr>
+      <p:sp>
+        <p:nvSpPr>
+          <p:cNvPr id="2" name="Title 1">
+            <a:extLst>
+              <a:ext uri="{FF2B5EF4-FFF2-40B4-BE49-F238E27FC236}">
                 <a16:creationId xmlns:a16="http://schemas.microsoft.com/office/drawing/2014/main" id="{67BB8AA4-894A-471F-9DA8-D43F1737BCF5}"/>
               </a:ext>
             </a:extLst>
@@ -16236,7 +16300,12 @@
             <p:ph idx="1"/>
           </p:nvPr>
         </p:nvSpPr>
-        <p:spPr/>
+        <p:spPr>
+          <a:xfrm>
+            <a:off x="838200" y="1900719"/>
+            <a:ext cx="5526339" cy="4276244"/>
+          </a:xfrm>
+        </p:spPr>
         <p:txBody>
           <a:bodyPr/>
           <a:lstStyle/>
@@ -16245,7 +16314,7 @@
               <a:rPr lang="en-US" dirty="0">
                 <a:cs typeface="Times New Roman" panose="02020603050405020304" pitchFamily="18" charset="0"/>
               </a:rPr>
-              <a:t>Lowest AIC across other models considered</a:t>
+              <a:t>Lowest AIC across other model “families” considered</a:t>
             </a:r>
           </a:p>
           <a:p>
@@ -16265,15 +16334,723 @@
               <a:t>20 parameters estimated</a:t>
             </a:r>
           </a:p>
-          <a:p>
-            <a:pPr lvl="1"/>
-            <a:r>
-              <a:rPr lang="en-US" dirty="0"/>
-              <a:t>“Initial” values drawn from the asymptotic distribution of single latent class model</a:t>
-            </a:r>
-          </a:p>
         </p:txBody>
       </p:sp>
+      <p:graphicFrame>
+        <p:nvGraphicFramePr>
+          <p:cNvPr id="5" name="Table 2">
+            <a:extLst>
+              <a:ext uri="{FF2B5EF4-FFF2-40B4-BE49-F238E27FC236}">
+                <a16:creationId xmlns:a16="http://schemas.microsoft.com/office/drawing/2014/main" id="{9467031B-150C-41E7-A3D2-28C5DB86C1EF}"/>
+              </a:ext>
+            </a:extLst>
+          </p:cNvPr>
+          <p:cNvGraphicFramePr>
+            <a:graphicFrameLocks noGrp="1"/>
+          </p:cNvGraphicFramePr>
+          <p:nvPr>
+            <p:extLst>
+              <p:ext uri="{D42A27DB-BD31-4B8C-83A1-F6EECF244321}">
+                <p14:modId xmlns:p14="http://schemas.microsoft.com/office/powerpoint/2010/main" val="1947923964"/>
+              </p:ext>
+            </p:extLst>
+          </p:nvPr>
+        </p:nvGraphicFramePr>
+        <p:xfrm>
+          <a:off x="6364539" y="2926080"/>
+          <a:ext cx="5526339" cy="1005840"/>
+        </p:xfrm>
+        <a:graphic>
+          <a:graphicData uri="http://schemas.openxmlformats.org/drawingml/2006/table">
+            <a:tbl>
+              <a:tblPr firstRow="1" bandRow="1">
+                <a:tableStyleId>{793D81CF-94F2-401A-BA57-92F5A7B2D0C5}</a:tableStyleId>
+              </a:tblPr>
+              <a:tblGrid>
+                <a:gridCol w="1701202">
+                  <a:extLst>
+                    <a:ext uri="{9D8B030D-6E8A-4147-A177-3AD203B41FA5}">
+                      <a16:colId xmlns:a16="http://schemas.microsoft.com/office/drawing/2014/main" val="2069068596"/>
+                    </a:ext>
+                  </a:extLst>
+                </a:gridCol>
+                <a:gridCol w="765297">
+                  <a:extLst>
+                    <a:ext uri="{9D8B030D-6E8A-4147-A177-3AD203B41FA5}">
+                      <a16:colId xmlns:a16="http://schemas.microsoft.com/office/drawing/2014/main" val="1465372876"/>
+                    </a:ext>
+                  </a:extLst>
+                </a:gridCol>
+                <a:gridCol w="773515">
+                  <a:extLst>
+                    <a:ext uri="{9D8B030D-6E8A-4147-A177-3AD203B41FA5}">
+                      <a16:colId xmlns:a16="http://schemas.microsoft.com/office/drawing/2014/main" val="570830856"/>
+                    </a:ext>
+                  </a:extLst>
+                </a:gridCol>
+                <a:gridCol w="771741">
+                  <a:extLst>
+                    <a:ext uri="{9D8B030D-6E8A-4147-A177-3AD203B41FA5}">
+                      <a16:colId xmlns:a16="http://schemas.microsoft.com/office/drawing/2014/main" val="3578386211"/>
+                    </a:ext>
+                  </a:extLst>
+                </a:gridCol>
+                <a:gridCol w="724019">
+                  <a:extLst>
+                    <a:ext uri="{9D8B030D-6E8A-4147-A177-3AD203B41FA5}">
+                      <a16:colId xmlns:a16="http://schemas.microsoft.com/office/drawing/2014/main" val="3077908002"/>
+                    </a:ext>
+                  </a:extLst>
+                </a:gridCol>
+                <a:gridCol w="790565">
+                  <a:extLst>
+                    <a:ext uri="{9D8B030D-6E8A-4147-A177-3AD203B41FA5}">
+                      <a16:colId xmlns:a16="http://schemas.microsoft.com/office/drawing/2014/main" val="2064615801"/>
+                    </a:ext>
+                  </a:extLst>
+                </a:gridCol>
+              </a:tblGrid>
+              <a:tr h="210430">
+                <a:tc>
+                  <a:txBody>
+                    <a:bodyPr/>
+                    <a:lstStyle/>
+                    <a:p>
+                      <a:r>
+                        <a:rPr lang="en-US" dirty="0"/>
+                        <a:t>Model</a:t>
+                      </a:r>
+                    </a:p>
+                  </a:txBody>
+                  <a:tcPr>
+                    <a:lnL w="12700" cap="flat" cmpd="sng" algn="ctr">
+                      <a:solidFill>
+                        <a:schemeClr val="tx1"/>
+                      </a:solidFill>
+                      <a:prstDash val="solid"/>
+                      <a:round/>
+                      <a:headEnd type="none" w="med" len="med"/>
+                      <a:tailEnd type="none" w="med" len="med"/>
+                    </a:lnL>
+                    <a:lnR w="12700" cap="flat" cmpd="sng" algn="ctr">
+                      <a:solidFill>
+                        <a:schemeClr val="tx1"/>
+                      </a:solidFill>
+                      <a:prstDash val="solid"/>
+                      <a:round/>
+                      <a:headEnd type="none" w="med" len="med"/>
+                      <a:tailEnd type="none" w="med" len="med"/>
+                    </a:lnR>
+                    <a:lnT w="12700" cap="flat" cmpd="sng" algn="ctr">
+                      <a:solidFill>
+                        <a:schemeClr val="tx1"/>
+                      </a:solidFill>
+                      <a:prstDash val="solid"/>
+                      <a:round/>
+                      <a:headEnd type="none" w="med" len="med"/>
+                      <a:tailEnd type="none" w="med" len="med"/>
+                    </a:lnT>
+                    <a:lnB w="12700" cap="flat" cmpd="sng" algn="ctr">
+                      <a:solidFill>
+                        <a:schemeClr val="tx1"/>
+                      </a:solidFill>
+                      <a:prstDash val="solid"/>
+                      <a:round/>
+                      <a:headEnd type="none" w="med" len="med"/>
+                      <a:tailEnd type="none" w="med" len="med"/>
+                    </a:lnB>
+                  </a:tcPr>
+                </a:tc>
+                <a:tc>
+                  <a:txBody>
+                    <a:bodyPr/>
+                    <a:lstStyle/>
+                    <a:p>
+                      <a:r>
+                        <a:rPr lang="en-US" dirty="0"/>
+                        <a:t>1 LC</a:t>
+                      </a:r>
+                    </a:p>
+                  </a:txBody>
+                  <a:tcPr>
+                    <a:lnL w="12700" cap="flat" cmpd="sng" algn="ctr">
+                      <a:solidFill>
+                        <a:schemeClr val="tx1"/>
+                      </a:solidFill>
+                      <a:prstDash val="solid"/>
+                      <a:round/>
+                      <a:headEnd type="none" w="med" len="med"/>
+                      <a:tailEnd type="none" w="med" len="med"/>
+                    </a:lnL>
+                    <a:lnR w="12700" cap="flat" cmpd="sng" algn="ctr">
+                      <a:solidFill>
+                        <a:schemeClr val="tx1"/>
+                      </a:solidFill>
+                      <a:prstDash val="solid"/>
+                      <a:round/>
+                      <a:headEnd type="none" w="med" len="med"/>
+                      <a:tailEnd type="none" w="med" len="med"/>
+                    </a:lnR>
+                    <a:lnT w="12700" cap="flat" cmpd="sng" algn="ctr">
+                      <a:solidFill>
+                        <a:schemeClr val="tx1"/>
+                      </a:solidFill>
+                      <a:prstDash val="solid"/>
+                      <a:round/>
+                      <a:headEnd type="none" w="med" len="med"/>
+                      <a:tailEnd type="none" w="med" len="med"/>
+                    </a:lnT>
+                    <a:lnB w="12700" cap="flat" cmpd="sng" algn="ctr">
+                      <a:solidFill>
+                        <a:schemeClr val="tx1"/>
+                      </a:solidFill>
+                      <a:prstDash val="solid"/>
+                      <a:round/>
+                      <a:headEnd type="none" w="med" len="med"/>
+                      <a:tailEnd type="none" w="med" len="med"/>
+                    </a:lnB>
+                  </a:tcPr>
+                </a:tc>
+                <a:tc>
+                  <a:txBody>
+                    <a:bodyPr/>
+                    <a:lstStyle/>
+                    <a:p>
+                      <a:r>
+                        <a:rPr lang="en-US" dirty="0"/>
+                        <a:t>2 LC</a:t>
+                      </a:r>
+                    </a:p>
+                  </a:txBody>
+                  <a:tcPr>
+                    <a:lnL w="12700" cap="flat" cmpd="sng" algn="ctr">
+                      <a:solidFill>
+                        <a:schemeClr val="tx1"/>
+                      </a:solidFill>
+                      <a:prstDash val="solid"/>
+                      <a:round/>
+                      <a:headEnd type="none" w="med" len="med"/>
+                      <a:tailEnd type="none" w="med" len="med"/>
+                    </a:lnL>
+                    <a:lnR w="12700" cap="flat" cmpd="sng" algn="ctr">
+                      <a:solidFill>
+                        <a:schemeClr val="tx1"/>
+                      </a:solidFill>
+                      <a:prstDash val="solid"/>
+                      <a:round/>
+                      <a:headEnd type="none" w="med" len="med"/>
+                      <a:tailEnd type="none" w="med" len="med"/>
+                    </a:lnR>
+                    <a:lnT w="12700" cap="flat" cmpd="sng" algn="ctr">
+                      <a:solidFill>
+                        <a:schemeClr val="tx1"/>
+                      </a:solidFill>
+                      <a:prstDash val="solid"/>
+                      <a:round/>
+                      <a:headEnd type="none" w="med" len="med"/>
+                      <a:tailEnd type="none" w="med" len="med"/>
+                    </a:lnT>
+                    <a:lnB w="12700" cap="flat" cmpd="sng" algn="ctr">
+                      <a:solidFill>
+                        <a:schemeClr val="tx1"/>
+                      </a:solidFill>
+                      <a:prstDash val="solid"/>
+                      <a:round/>
+                      <a:headEnd type="none" w="med" len="med"/>
+                      <a:tailEnd type="none" w="med" len="med"/>
+                    </a:lnB>
+                  </a:tcPr>
+                </a:tc>
+                <a:tc>
+                  <a:txBody>
+                    <a:bodyPr/>
+                    <a:lstStyle/>
+                    <a:p>
+                      <a:r>
+                        <a:rPr lang="en-US" dirty="0"/>
+                        <a:t>3 LC</a:t>
+                      </a:r>
+                    </a:p>
+                  </a:txBody>
+                  <a:tcPr>
+                    <a:lnL w="12700" cap="flat" cmpd="sng" algn="ctr">
+                      <a:solidFill>
+                        <a:schemeClr val="tx1"/>
+                      </a:solidFill>
+                      <a:prstDash val="solid"/>
+                      <a:round/>
+                      <a:headEnd type="none" w="med" len="med"/>
+                      <a:tailEnd type="none" w="med" len="med"/>
+                    </a:lnL>
+                    <a:lnR w="12700" cap="flat" cmpd="sng" algn="ctr">
+                      <a:solidFill>
+                        <a:schemeClr val="tx1"/>
+                      </a:solidFill>
+                      <a:prstDash val="solid"/>
+                      <a:round/>
+                      <a:headEnd type="none" w="med" len="med"/>
+                      <a:tailEnd type="none" w="med" len="med"/>
+                    </a:lnR>
+                    <a:lnT w="12700" cap="flat" cmpd="sng" algn="ctr">
+                      <a:solidFill>
+                        <a:schemeClr val="tx1"/>
+                      </a:solidFill>
+                      <a:prstDash val="solid"/>
+                      <a:round/>
+                      <a:headEnd type="none" w="med" len="med"/>
+                      <a:tailEnd type="none" w="med" len="med"/>
+                    </a:lnT>
+                    <a:lnB w="12700" cap="flat" cmpd="sng" algn="ctr">
+                      <a:solidFill>
+                        <a:schemeClr val="tx1"/>
+                      </a:solidFill>
+                      <a:prstDash val="solid"/>
+                      <a:round/>
+                      <a:headEnd type="none" w="med" len="med"/>
+                      <a:tailEnd type="none" w="med" len="med"/>
+                    </a:lnB>
+                  </a:tcPr>
+                </a:tc>
+                <a:tc>
+                  <a:txBody>
+                    <a:bodyPr/>
+                    <a:lstStyle/>
+                    <a:p>
+                      <a:r>
+                        <a:rPr lang="en-US" dirty="0"/>
+                        <a:t>4 LC </a:t>
+                      </a:r>
+                    </a:p>
+                  </a:txBody>
+                  <a:tcPr>
+                    <a:lnL w="12700" cap="flat" cmpd="sng" algn="ctr">
+                      <a:solidFill>
+                        <a:schemeClr val="tx1"/>
+                      </a:solidFill>
+                      <a:prstDash val="solid"/>
+                      <a:round/>
+                      <a:headEnd type="none" w="med" len="med"/>
+                      <a:tailEnd type="none" w="med" len="med"/>
+                    </a:lnL>
+                    <a:lnR w="12700" cap="flat" cmpd="sng" algn="ctr">
+                      <a:solidFill>
+                        <a:schemeClr val="tx1"/>
+                      </a:solidFill>
+                      <a:prstDash val="solid"/>
+                      <a:round/>
+                      <a:headEnd type="none" w="med" len="med"/>
+                      <a:tailEnd type="none" w="med" len="med"/>
+                    </a:lnR>
+                    <a:lnT w="12700" cap="flat" cmpd="sng" algn="ctr">
+                      <a:solidFill>
+                        <a:schemeClr val="tx1"/>
+                      </a:solidFill>
+                      <a:prstDash val="solid"/>
+                      <a:round/>
+                      <a:headEnd type="none" w="med" len="med"/>
+                      <a:tailEnd type="none" w="med" len="med"/>
+                    </a:lnT>
+                    <a:lnB w="12700" cap="flat" cmpd="sng" algn="ctr">
+                      <a:solidFill>
+                        <a:schemeClr val="tx1"/>
+                      </a:solidFill>
+                      <a:prstDash val="solid"/>
+                      <a:round/>
+                      <a:headEnd type="none" w="med" len="med"/>
+                      <a:tailEnd type="none" w="med" len="med"/>
+                    </a:lnB>
+                  </a:tcPr>
+                </a:tc>
+                <a:tc>
+                  <a:txBody>
+                    <a:bodyPr/>
+                    <a:lstStyle/>
+                    <a:p>
+                      <a:r>
+                        <a:rPr lang="en-US" dirty="0"/>
+                        <a:t>5 LC</a:t>
+                      </a:r>
+                    </a:p>
+                  </a:txBody>
+                  <a:tcPr>
+                    <a:lnL w="12700" cap="flat" cmpd="sng" algn="ctr">
+                      <a:solidFill>
+                        <a:schemeClr val="tx1"/>
+                      </a:solidFill>
+                      <a:prstDash val="solid"/>
+                      <a:round/>
+                      <a:headEnd type="none" w="med" len="med"/>
+                      <a:tailEnd type="none" w="med" len="med"/>
+                    </a:lnL>
+                    <a:lnR w="12700" cap="flat" cmpd="sng" algn="ctr">
+                      <a:solidFill>
+                        <a:schemeClr val="tx1"/>
+                      </a:solidFill>
+                      <a:prstDash val="solid"/>
+                      <a:round/>
+                      <a:headEnd type="none" w="med" len="med"/>
+                      <a:tailEnd type="none" w="med" len="med"/>
+                    </a:lnR>
+                    <a:lnT w="12700" cap="flat" cmpd="sng" algn="ctr">
+                      <a:solidFill>
+                        <a:schemeClr val="tx1"/>
+                      </a:solidFill>
+                      <a:prstDash val="solid"/>
+                      <a:round/>
+                      <a:headEnd type="none" w="med" len="med"/>
+                      <a:tailEnd type="none" w="med" len="med"/>
+                    </a:lnT>
+                    <a:lnB w="12700" cap="flat" cmpd="sng" algn="ctr">
+                      <a:solidFill>
+                        <a:schemeClr val="tx1"/>
+                      </a:solidFill>
+                      <a:prstDash val="solid"/>
+                      <a:round/>
+                      <a:headEnd type="none" w="med" len="med"/>
+                      <a:tailEnd type="none" w="med" len="med"/>
+                    </a:lnB>
+                  </a:tcPr>
+                </a:tc>
+                <a:extLst>
+                  <a:ext uri="{0D108BD9-81ED-4DB2-BD59-A6C34878D82A}">
+                    <a16:rowId xmlns:a16="http://schemas.microsoft.com/office/drawing/2014/main" val="3017386674"/>
+                  </a:ext>
+                </a:extLst>
+              </a:tr>
+              <a:tr h="368252">
+                <a:tc>
+                  <a:txBody>
+                    <a:bodyPr/>
+                    <a:lstStyle/>
+                    <a:p>
+                      <a:pPr marL="0" marR="0" lvl="0" indent="0" algn="l" defTabSz="914400" rtl="0" eaLnBrk="1" fontAlgn="auto" latinLnBrk="0" hangingPunct="1">
+                        <a:lnSpc>
+                          <a:spcPct val="100000"/>
+                        </a:lnSpc>
+                        <a:spcBef>
+                          <a:spcPts val="0"/>
+                        </a:spcBef>
+                        <a:spcAft>
+                          <a:spcPts val="0"/>
+                        </a:spcAft>
+                        <a:buClrTx/>
+                        <a:buSzTx/>
+                        <a:buFontTx/>
+                        <a:buNone/>
+                        <a:tabLst/>
+                        <a:defRPr/>
+                      </a:pPr>
+                      <a:r>
+                        <a:rPr lang="en-US" dirty="0"/>
+                        <a:t>CLR Strep 3Obs Spline</a:t>
+                      </a:r>
+                    </a:p>
+                  </a:txBody>
+                  <a:tcPr>
+                    <a:lnL w="12700" cap="flat" cmpd="sng" algn="ctr">
+                      <a:solidFill>
+                        <a:schemeClr val="tx1"/>
+                      </a:solidFill>
+                      <a:prstDash val="solid"/>
+                      <a:round/>
+                      <a:headEnd type="none" w="med" len="med"/>
+                      <a:tailEnd type="none" w="med" len="med"/>
+                    </a:lnL>
+                    <a:lnR w="12700" cap="flat" cmpd="sng" algn="ctr">
+                      <a:solidFill>
+                        <a:schemeClr val="tx1"/>
+                      </a:solidFill>
+                      <a:prstDash val="solid"/>
+                      <a:round/>
+                      <a:headEnd type="none" w="med" len="med"/>
+                      <a:tailEnd type="none" w="med" len="med"/>
+                    </a:lnR>
+                    <a:lnT w="12700" cap="flat" cmpd="sng" algn="ctr">
+                      <a:solidFill>
+                        <a:schemeClr val="tx1"/>
+                      </a:solidFill>
+                      <a:prstDash val="solid"/>
+                      <a:round/>
+                      <a:headEnd type="none" w="med" len="med"/>
+                      <a:tailEnd type="none" w="med" len="med"/>
+                    </a:lnT>
+                    <a:lnB w="12700" cap="flat" cmpd="sng" algn="ctr">
+                      <a:solidFill>
+                        <a:schemeClr val="tx1"/>
+                      </a:solidFill>
+                      <a:prstDash val="solid"/>
+                      <a:round/>
+                      <a:headEnd type="none" w="med" len="med"/>
+                      <a:tailEnd type="none" w="med" len="med"/>
+                    </a:lnB>
+                  </a:tcPr>
+                </a:tc>
+                <a:tc>
+                  <a:txBody>
+                    <a:bodyPr/>
+                    <a:lstStyle/>
+                    <a:p>
+                      <a:r>
+                        <a:rPr lang="en-US" dirty="0"/>
+                        <a:t>3777</a:t>
+                      </a:r>
+                    </a:p>
+                  </a:txBody>
+                  <a:tcPr>
+                    <a:lnL w="12700" cap="flat" cmpd="sng" algn="ctr">
+                      <a:solidFill>
+                        <a:schemeClr val="tx1"/>
+                      </a:solidFill>
+                      <a:prstDash val="solid"/>
+                      <a:round/>
+                      <a:headEnd type="none" w="med" len="med"/>
+                      <a:tailEnd type="none" w="med" len="med"/>
+                    </a:lnL>
+                    <a:lnR w="12700" cap="flat" cmpd="sng" algn="ctr">
+                      <a:solidFill>
+                        <a:schemeClr val="tx1"/>
+                      </a:solidFill>
+                      <a:prstDash val="solid"/>
+                      <a:round/>
+                      <a:headEnd type="none" w="med" len="med"/>
+                      <a:tailEnd type="none" w="med" len="med"/>
+                    </a:lnR>
+                    <a:lnT w="12700" cap="flat" cmpd="sng" algn="ctr">
+                      <a:solidFill>
+                        <a:schemeClr val="tx1"/>
+                      </a:solidFill>
+                      <a:prstDash val="solid"/>
+                      <a:round/>
+                      <a:headEnd type="none" w="med" len="med"/>
+                      <a:tailEnd type="none" w="med" len="med"/>
+                    </a:lnT>
+                    <a:lnB w="12700" cap="flat" cmpd="sng" algn="ctr">
+                      <a:solidFill>
+                        <a:schemeClr val="tx1"/>
+                      </a:solidFill>
+                      <a:prstDash val="solid"/>
+                      <a:round/>
+                      <a:headEnd type="none" w="med" len="med"/>
+                      <a:tailEnd type="none" w="med" len="med"/>
+                    </a:lnB>
+                  </a:tcPr>
+                </a:tc>
+                <a:tc>
+                  <a:txBody>
+                    <a:bodyPr/>
+                    <a:lstStyle/>
+                    <a:p>
+                      <a:r>
+                        <a:rPr lang="en-US" dirty="0"/>
+                        <a:t>3778</a:t>
+                      </a:r>
+                    </a:p>
+                  </a:txBody>
+                  <a:tcPr>
+                    <a:lnL w="12700" cap="flat" cmpd="sng" algn="ctr">
+                      <a:solidFill>
+                        <a:schemeClr val="tx1"/>
+                      </a:solidFill>
+                      <a:prstDash val="solid"/>
+                      <a:round/>
+                      <a:headEnd type="none" w="med" len="med"/>
+                      <a:tailEnd type="none" w="med" len="med"/>
+                    </a:lnL>
+                    <a:lnR w="12700" cap="flat" cmpd="sng" algn="ctr">
+                      <a:solidFill>
+                        <a:schemeClr val="tx1"/>
+                      </a:solidFill>
+                      <a:prstDash val="solid"/>
+                      <a:round/>
+                      <a:headEnd type="none" w="med" len="med"/>
+                      <a:tailEnd type="none" w="med" len="med"/>
+                    </a:lnR>
+                    <a:lnT w="12700" cap="flat" cmpd="sng" algn="ctr">
+                      <a:solidFill>
+                        <a:schemeClr val="tx1"/>
+                      </a:solidFill>
+                      <a:prstDash val="solid"/>
+                      <a:round/>
+                      <a:headEnd type="none" w="med" len="med"/>
+                      <a:tailEnd type="none" w="med" len="med"/>
+                    </a:lnT>
+                    <a:lnB w="12700" cap="flat" cmpd="sng" algn="ctr">
+                      <a:solidFill>
+                        <a:schemeClr val="tx1"/>
+                      </a:solidFill>
+                      <a:prstDash val="solid"/>
+                      <a:round/>
+                      <a:headEnd type="none" w="med" len="med"/>
+                      <a:tailEnd type="none" w="med" len="med"/>
+                    </a:lnB>
+                  </a:tcPr>
+                </a:tc>
+                <a:tc>
+                  <a:txBody>
+                    <a:bodyPr/>
+                    <a:lstStyle/>
+                    <a:p>
+                      <a:r>
+                        <a:rPr lang="en-US" dirty="0"/>
+                        <a:t>3781</a:t>
+                      </a:r>
+                    </a:p>
+                  </a:txBody>
+                  <a:tcPr>
+                    <a:lnL w="12700" cap="flat" cmpd="sng" algn="ctr">
+                      <a:solidFill>
+                        <a:schemeClr val="tx1"/>
+                      </a:solidFill>
+                      <a:prstDash val="solid"/>
+                      <a:round/>
+                      <a:headEnd type="none" w="med" len="med"/>
+                      <a:tailEnd type="none" w="med" len="med"/>
+                    </a:lnL>
+                    <a:lnR w="12700" cap="flat" cmpd="sng" algn="ctr">
+                      <a:solidFill>
+                        <a:schemeClr val="tx1"/>
+                      </a:solidFill>
+                      <a:prstDash val="solid"/>
+                      <a:round/>
+                      <a:headEnd type="none" w="med" len="med"/>
+                      <a:tailEnd type="none" w="med" len="med"/>
+                    </a:lnR>
+                    <a:lnT w="12700" cap="flat" cmpd="sng" algn="ctr">
+                      <a:solidFill>
+                        <a:schemeClr val="tx1"/>
+                      </a:solidFill>
+                      <a:prstDash val="solid"/>
+                      <a:round/>
+                      <a:headEnd type="none" w="med" len="med"/>
+                      <a:tailEnd type="none" w="med" len="med"/>
+                    </a:lnT>
+                    <a:lnB w="12700" cap="flat" cmpd="sng" algn="ctr">
+                      <a:solidFill>
+                        <a:schemeClr val="tx1"/>
+                      </a:solidFill>
+                      <a:prstDash val="solid"/>
+                      <a:round/>
+                      <a:headEnd type="none" w="med" len="med"/>
+                      <a:tailEnd type="none" w="med" len="med"/>
+                    </a:lnB>
+                  </a:tcPr>
+                </a:tc>
+                <a:tc>
+                  <a:txBody>
+                    <a:bodyPr/>
+                    <a:lstStyle/>
+                    <a:p>
+                      <a:r>
+                        <a:rPr lang="en-US" dirty="0"/>
+                        <a:t>3785</a:t>
+                      </a:r>
+                    </a:p>
+                  </a:txBody>
+                  <a:tcPr>
+                    <a:lnL w="12700" cap="flat" cmpd="sng" algn="ctr">
+                      <a:solidFill>
+                        <a:schemeClr val="tx1"/>
+                      </a:solidFill>
+                      <a:prstDash val="solid"/>
+                      <a:round/>
+                      <a:headEnd type="none" w="med" len="med"/>
+                      <a:tailEnd type="none" w="med" len="med"/>
+                    </a:lnL>
+                    <a:lnR w="12700" cap="flat" cmpd="sng" algn="ctr">
+                      <a:solidFill>
+                        <a:schemeClr val="tx1"/>
+                      </a:solidFill>
+                      <a:prstDash val="solid"/>
+                      <a:round/>
+                      <a:headEnd type="none" w="med" len="med"/>
+                      <a:tailEnd type="none" w="med" len="med"/>
+                    </a:lnR>
+                    <a:lnT w="12700" cap="flat" cmpd="sng" algn="ctr">
+                      <a:solidFill>
+                        <a:schemeClr val="tx1"/>
+                      </a:solidFill>
+                      <a:prstDash val="solid"/>
+                      <a:round/>
+                      <a:headEnd type="none" w="med" len="med"/>
+                      <a:tailEnd type="none" w="med" len="med"/>
+                    </a:lnT>
+                    <a:lnB w="12700" cap="flat" cmpd="sng" algn="ctr">
+                      <a:solidFill>
+                        <a:schemeClr val="tx1"/>
+                      </a:solidFill>
+                      <a:prstDash val="solid"/>
+                      <a:round/>
+                      <a:headEnd type="none" w="med" len="med"/>
+                      <a:tailEnd type="none" w="med" len="med"/>
+                    </a:lnB>
+                    <a:solidFill>
+                      <a:schemeClr val="accent4">
+                        <a:lumMod val="20000"/>
+                        <a:lumOff val="80000"/>
+                      </a:schemeClr>
+                    </a:solidFill>
+                  </a:tcPr>
+                </a:tc>
+                <a:tc>
+                  <a:txBody>
+                    <a:bodyPr/>
+                    <a:lstStyle/>
+                    <a:p>
+                      <a:r>
+                        <a:rPr lang="en-US" dirty="0"/>
+                        <a:t>3789*</a:t>
+                      </a:r>
+                    </a:p>
+                  </a:txBody>
+                  <a:tcPr>
+                    <a:lnL w="12700" cap="flat" cmpd="sng" algn="ctr">
+                      <a:solidFill>
+                        <a:schemeClr val="tx1"/>
+                      </a:solidFill>
+                      <a:prstDash val="solid"/>
+                      <a:round/>
+                      <a:headEnd type="none" w="med" len="med"/>
+                      <a:tailEnd type="none" w="med" len="med"/>
+                    </a:lnL>
+                    <a:lnR w="12700" cap="flat" cmpd="sng" algn="ctr">
+                      <a:solidFill>
+                        <a:schemeClr val="tx1"/>
+                      </a:solidFill>
+                      <a:prstDash val="solid"/>
+                      <a:round/>
+                      <a:headEnd type="none" w="med" len="med"/>
+                      <a:tailEnd type="none" w="med" len="med"/>
+                    </a:lnR>
+                    <a:lnT w="12700" cap="flat" cmpd="sng" algn="ctr">
+                      <a:solidFill>
+                        <a:schemeClr val="tx1"/>
+                      </a:solidFill>
+                      <a:prstDash val="solid"/>
+                      <a:round/>
+                      <a:headEnd type="none" w="med" len="med"/>
+                      <a:tailEnd type="none" w="med" len="med"/>
+                    </a:lnT>
+                    <a:lnB w="12700" cap="flat" cmpd="sng" algn="ctr">
+                      <a:solidFill>
+                        <a:schemeClr val="tx1"/>
+                      </a:solidFill>
+                      <a:prstDash val="solid"/>
+                      <a:round/>
+                      <a:headEnd type="none" w="med" len="med"/>
+                      <a:tailEnd type="none" w="med" len="med"/>
+                    </a:lnB>
+                  </a:tcPr>
+                </a:tc>
+                <a:extLst>
+                  <a:ext uri="{0D108BD9-81ED-4DB2-BD59-A6C34878D82A}">
+                    <a16:rowId xmlns:a16="http://schemas.microsoft.com/office/drawing/2014/main" val="2371264900"/>
+                  </a:ext>
+                </a:extLst>
+              </a:tr>
+            </a:tbl>
+          </a:graphicData>
+        </a:graphic>
+      </p:graphicFrame>
     </p:spTree>
     <p:extLst>
       <p:ext uri="{BB962C8B-B14F-4D97-AF65-F5344CB8AC3E}">
@@ -16287,7 +17064,7 @@
 </p:sld>
 </file>
 
-<file path=ppt/slides/slide27.xml><?xml version="1.0" encoding="utf-8"?>
+<file path=ppt/slides/slide28.xml><?xml version="1.0" encoding="utf-8"?>
 <p:sld xmlns:a="http://schemas.openxmlformats.org/drawingml/2006/main" xmlns:r="http://schemas.openxmlformats.org/officeDocument/2006/relationships" xmlns:p="http://schemas.openxmlformats.org/presentationml/2006/main">
   <p:cSld>
     <p:spTree>
@@ -16506,7 +17283,7 @@
 </p:sld>
 </file>
 
-<file path=ppt/slides/slide28.xml><?xml version="1.0" encoding="utf-8"?>
+<file path=ppt/slides/slide29.xml><?xml version="1.0" encoding="utf-8"?>
 <p:sld xmlns:a="http://schemas.openxmlformats.org/drawingml/2006/main" xmlns:r="http://schemas.openxmlformats.org/officeDocument/2006/relationships" xmlns:p="http://schemas.openxmlformats.org/presentationml/2006/main">
   <p:cSld>
     <p:spTree>
@@ -18186,7 +18963,128 @@
 </p:sld>
 </file>
 
-<file path=ppt/slides/slide29.xml><?xml version="1.0" encoding="utf-8"?>
+<file path=ppt/slides/slide3.xml><?xml version="1.0" encoding="utf-8"?>
+<p:sld xmlns:a="http://schemas.openxmlformats.org/drawingml/2006/main" xmlns:r="http://schemas.openxmlformats.org/officeDocument/2006/relationships" xmlns:p="http://schemas.openxmlformats.org/presentationml/2006/main">
+  <p:cSld>
+    <p:spTree>
+      <p:nvGrpSpPr>
+        <p:cNvPr id="1" name=""/>
+        <p:cNvGrpSpPr/>
+        <p:nvPr/>
+      </p:nvGrpSpPr>
+      <p:grpSpPr>
+        <a:xfrm>
+          <a:off x="0" y="0"/>
+          <a:ext cx="0" cy="0"/>
+          <a:chOff x="0" y="0"/>
+          <a:chExt cx="0" cy="0"/>
+        </a:xfrm>
+      </p:grpSpPr>
+      <p:sp>
+        <p:nvSpPr>
+          <p:cNvPr id="2" name="Title 1">
+            <a:extLst>
+              <a:ext uri="{FF2B5EF4-FFF2-40B4-BE49-F238E27FC236}">
+                <a16:creationId xmlns:a16="http://schemas.microsoft.com/office/drawing/2014/main" id="{554A4AFB-AC9C-48F2-9490-17A4767C97D1}"/>
+              </a:ext>
+            </a:extLst>
+          </p:cNvPr>
+          <p:cNvSpPr>
+            <a:spLocks noGrp="1"/>
+          </p:cNvSpPr>
+          <p:nvPr>
+            <p:ph type="title"/>
+          </p:nvPr>
+        </p:nvSpPr>
+        <p:spPr/>
+        <p:txBody>
+          <a:bodyPr>
+            <a:normAutofit/>
+          </a:bodyPr>
+          <a:lstStyle/>
+          <a:p>
+            <a:r>
+              <a:rPr lang="en-US" sz="4000"/>
+              <a:t>Cystic Fibrosis (</a:t>
+            </a:r>
+            <a:r>
+              <a:rPr lang="en-US" sz="4000" b="1"/>
+              <a:t>CF</a:t>
+            </a:r>
+            <a:r>
+              <a:rPr lang="en-US" sz="4000"/>
+              <a:t>) cont.</a:t>
+            </a:r>
+            <a:endParaRPr lang="en-US" sz="4000" dirty="0"/>
+          </a:p>
+        </p:txBody>
+      </p:sp>
+      <p:sp>
+        <p:nvSpPr>
+          <p:cNvPr id="3" name="Content Placeholder 2">
+            <a:extLst>
+              <a:ext uri="{FF2B5EF4-FFF2-40B4-BE49-F238E27FC236}">
+                <a16:creationId xmlns:a16="http://schemas.microsoft.com/office/drawing/2014/main" id="{F756C3E2-1158-4E70-9CD9-F8C89E30A599}"/>
+              </a:ext>
+            </a:extLst>
+          </p:cNvPr>
+          <p:cNvSpPr>
+            <a:spLocks noGrp="1"/>
+          </p:cNvSpPr>
+          <p:nvPr>
+            <p:ph idx="1"/>
+          </p:nvPr>
+        </p:nvSpPr>
+        <p:spPr/>
+        <p:txBody>
+          <a:bodyPr>
+            <a:normAutofit/>
+          </a:bodyPr>
+          <a:lstStyle/>
+          <a:p>
+            <a:r>
+              <a:rPr lang="en-US" sz="2800" dirty="0"/>
+              <a:t>Subjects have varied disease progression</a:t>
+            </a:r>
+          </a:p>
+          <a:p>
+            <a:r>
+              <a:rPr lang="en-US" sz="2800" dirty="0"/>
+              <a:t>Unclear whether variability present in early CF airways, or if it develops over time</a:t>
+            </a:r>
+          </a:p>
+          <a:p>
+            <a:r>
+              <a:rPr lang="en-US" sz="2800" dirty="0"/>
+              <a:t>Identifying endotypes based on airway microbiome community composition may clarify this</a:t>
+            </a:r>
+          </a:p>
+          <a:p>
+            <a:pPr lvl="1"/>
+            <a:r>
+              <a:rPr lang="en-US" sz="2600" dirty="0"/>
+              <a:t>Microbiome data complex</a:t>
+            </a:r>
+          </a:p>
+          <a:p>
+            <a:endParaRPr lang="en-US" dirty="0"/>
+          </a:p>
+        </p:txBody>
+      </p:sp>
+    </p:spTree>
+    <p:extLst>
+      <p:ext uri="{BB962C8B-B14F-4D97-AF65-F5344CB8AC3E}">
+        <p14:creationId xmlns:p14="http://schemas.microsoft.com/office/powerpoint/2010/main" val="233620984"/>
+      </p:ext>
+    </p:extLst>
+  </p:cSld>
+  <p:clrMapOvr>
+    <a:masterClrMapping/>
+  </p:clrMapOvr>
+</p:sld>
+</file>
+
+<file path=ppt/slides/slide30.xml><?xml version="1.0" encoding="utf-8"?>
 <p:sld xmlns:a="http://schemas.openxmlformats.org/drawingml/2006/main" xmlns:r="http://schemas.openxmlformats.org/officeDocument/2006/relationships" xmlns:p="http://schemas.openxmlformats.org/presentationml/2006/main">
   <p:cSld>
     <p:bg>
@@ -18241,7 +19139,7 @@
           <a:p>
             <a:r>
               <a:rPr lang="en-US" sz="4000" dirty="0"/>
-              <a:t>Results: Describing the latent classes</a:t>
+              <a:t>Results: Describing the Latent Classes</a:t>
             </a:r>
           </a:p>
         </p:txBody>
@@ -18391,7 +19289,7 @@
 </p:sld>
 </file>
 
-<file path=ppt/slides/slide3.xml><?xml version="1.0" encoding="utf-8"?>
+<file path=ppt/slides/slide31.xml><?xml version="1.0" encoding="utf-8"?>
 <p:sld xmlns:a="http://schemas.openxmlformats.org/drawingml/2006/main" xmlns:r="http://schemas.openxmlformats.org/officeDocument/2006/relationships" xmlns:p="http://schemas.openxmlformats.org/presentationml/2006/main">
   <p:cSld>
     <p:spTree>
@@ -18413,7 +19311,7 @@
           <p:cNvPr id="2" name="Title 1">
             <a:extLst>
               <a:ext uri="{FF2B5EF4-FFF2-40B4-BE49-F238E27FC236}">
-                <a16:creationId xmlns:a16="http://schemas.microsoft.com/office/drawing/2014/main" id="{554A4AFB-AC9C-48F2-9490-17A4767C97D1}"/>
+                <a16:creationId xmlns:a16="http://schemas.microsoft.com/office/drawing/2014/main" id="{C8738718-210D-401F-89FA-131DC2C8FD95}"/>
               </a:ext>
             </a:extLst>
           </p:cNvPr>
@@ -18426,83 +19324,162 @@
         </p:nvSpPr>
         <p:spPr/>
         <p:txBody>
-          <a:bodyPr>
-            <a:normAutofit/>
-          </a:bodyPr>
+          <a:bodyPr/>
           <a:lstStyle/>
           <a:p>
             <a:r>
-              <a:rPr lang="en-US" sz="4000"/>
-              <a:t>Cystic Fibrosis (</a:t>
-            </a:r>
-            <a:r>
-              <a:rPr lang="en-US" sz="4000" b="1"/>
-              <a:t>CF</a:t>
-            </a:r>
-            <a:r>
-              <a:rPr lang="en-US" sz="4000"/>
-              <a:t>) cont.</a:t>
-            </a:r>
-            <a:endParaRPr lang="en-US" sz="4000" dirty="0"/>
+              <a:rPr lang="en-US" dirty="0"/>
+              <a:t>Describing the Latent Classes</a:t>
+            </a:r>
           </a:p>
         </p:txBody>
       </p:sp>
-      <p:sp>
-        <p:nvSpPr>
-          <p:cNvPr id="3" name="Content Placeholder 2">
+      <p:pic>
+        <p:nvPicPr>
+          <p:cNvPr id="7" name="Picture 6" descr="A close up of a map&#10;&#10;Description automatically generated">
             <a:extLst>
               <a:ext uri="{FF2B5EF4-FFF2-40B4-BE49-F238E27FC236}">
-                <a16:creationId xmlns:a16="http://schemas.microsoft.com/office/drawing/2014/main" id="{F756C3E2-1158-4E70-9CD9-F8C89E30A599}"/>
+                <a16:creationId xmlns:a16="http://schemas.microsoft.com/office/drawing/2014/main" id="{8283E97D-3A16-45F1-B918-87B76C3E9E9D}"/>
               </a:ext>
             </a:extLst>
           </p:cNvPr>
-          <p:cNvSpPr>
-            <a:spLocks noGrp="1"/>
-          </p:cNvSpPr>
+          <p:cNvPicPr>
+            <a:picLocks noChangeAspect="1"/>
+          </p:cNvPicPr>
+          <p:nvPr/>
+        </p:nvPicPr>
+        <p:blipFill rotWithShape="1">
+          <a:blip r:embed="rId2">
+            <a:extLst>
+              <a:ext uri="{28A0092B-C50C-407E-A947-70E740481C1C}">
+                <a14:useLocalDpi xmlns:a14="http://schemas.microsoft.com/office/drawing/2010/main" val="0"/>
+              </a:ext>
+            </a:extLst>
+          </a:blip>
+          <a:srcRect t="3228" b="-1889"/>
+          <a:stretch/>
+        </p:blipFill>
+        <p:spPr>
+          <a:xfrm>
+            <a:off x="6312614" y="1927539"/>
+            <a:ext cx="4917897" cy="4852115"/>
+          </a:xfrm>
+          <a:prstGeom prst="rect">
+            <a:avLst/>
+          </a:prstGeom>
+        </p:spPr>
+      </p:pic>
+      <p:pic>
+        <p:nvPicPr>
+          <p:cNvPr id="9" name="Content Placeholder 8" descr="A close up of a map&#10;&#10;Description automatically generated">
+            <a:extLst>
+              <a:ext uri="{FF2B5EF4-FFF2-40B4-BE49-F238E27FC236}">
+                <a16:creationId xmlns:a16="http://schemas.microsoft.com/office/drawing/2014/main" id="{FD71DE07-AB99-4CE6-83DF-F76E40FA21A2}"/>
+              </a:ext>
+            </a:extLst>
+          </p:cNvPr>
+          <p:cNvPicPr>
+            <a:picLocks noGrp="1" noChangeAspect="1"/>
+          </p:cNvPicPr>
           <p:nvPr>
             <p:ph idx="1"/>
           </p:nvPr>
-        </p:nvSpPr>
-        <p:spPr/>
+        </p:nvPicPr>
+        <p:blipFill rotWithShape="1">
+          <a:blip r:embed="rId3">
+            <a:extLst>
+              <a:ext uri="{28A0092B-C50C-407E-A947-70E740481C1C}">
+                <a14:useLocalDpi xmlns:a14="http://schemas.microsoft.com/office/drawing/2010/main" val="0"/>
+              </a:ext>
+            </a:extLst>
+          </a:blip>
+          <a:srcRect t="13573"/>
+          <a:stretch/>
+        </p:blipFill>
+        <p:spPr>
+          <a:xfrm>
+            <a:off x="511996" y="1927539"/>
+            <a:ext cx="5367392" cy="4930461"/>
+          </a:xfrm>
+          <a:prstGeom prst="rect">
+            <a:avLst/>
+          </a:prstGeom>
+        </p:spPr>
+      </p:pic>
+      <p:sp>
+        <p:nvSpPr>
+          <p:cNvPr id="11" name="TextBox 10">
+            <a:extLst>
+              <a:ext uri="{FF2B5EF4-FFF2-40B4-BE49-F238E27FC236}">
+                <a16:creationId xmlns:a16="http://schemas.microsoft.com/office/drawing/2014/main" id="{B50C8514-AFAB-4C73-A013-186E2BCEE4C5}"/>
+              </a:ext>
+            </a:extLst>
+          </p:cNvPr>
+          <p:cNvSpPr txBox="1"/>
+          <p:nvPr/>
+        </p:nvSpPr>
+        <p:spPr>
+          <a:xfrm>
+            <a:off x="1269287" y="1690688"/>
+            <a:ext cx="3852809" cy="338554"/>
+          </a:xfrm>
+          <a:prstGeom prst="rect">
+            <a:avLst/>
+          </a:prstGeom>
+          <a:noFill/>
+        </p:spPr>
         <p:txBody>
-          <a:bodyPr>
-            <a:normAutofit/>
+          <a:bodyPr wrap="square" rtlCol="0">
+            <a:spAutoFit/>
           </a:bodyPr>
           <a:lstStyle/>
           <a:p>
             <a:r>
-              <a:rPr lang="en-US" sz="2800" dirty="0"/>
-              <a:t>Subjects have varied disease progression</a:t>
-            </a:r>
-          </a:p>
-          <a:p>
-            <a:r>
-              <a:rPr lang="en-US" sz="2800" dirty="0"/>
-              <a:t>Unclear whether variability present in early CF airways, or if it develops over time</a:t>
-            </a:r>
-          </a:p>
-          <a:p>
-            <a:r>
-              <a:rPr lang="en-US" sz="2800" dirty="0"/>
-              <a:t>Identifying endotypes based on airway microbiome community composition may clarify this</a:t>
-            </a:r>
-          </a:p>
-          <a:p>
-            <a:pPr lvl="1"/>
-            <a:r>
-              <a:rPr lang="en-US" sz="2600" dirty="0"/>
-              <a:t>Microbiome data complex</a:t>
-            </a:r>
-          </a:p>
-          <a:p>
-            <a:endParaRPr lang="en-US" dirty="0"/>
+              <a:rPr lang="en-US" sz="1600" b="1" dirty="0"/>
+              <a:t>Class-Specific Mean Predicted Trajectory</a:t>
+            </a:r>
+          </a:p>
+        </p:txBody>
+      </p:sp>
+      <p:sp>
+        <p:nvSpPr>
+          <p:cNvPr id="13" name="TextBox 12">
+            <a:extLst>
+              <a:ext uri="{FF2B5EF4-FFF2-40B4-BE49-F238E27FC236}">
+                <a16:creationId xmlns:a16="http://schemas.microsoft.com/office/drawing/2014/main" id="{78E0C562-DAB4-4ABD-A32D-89B3787BFD97}"/>
+              </a:ext>
+            </a:extLst>
+          </p:cNvPr>
+          <p:cNvSpPr txBox="1"/>
+          <p:nvPr/>
+        </p:nvSpPr>
+        <p:spPr>
+          <a:xfrm>
+            <a:off x="6544639" y="1655837"/>
+            <a:ext cx="4809161" cy="338554"/>
+          </a:xfrm>
+          <a:prstGeom prst="rect">
+            <a:avLst/>
+          </a:prstGeom>
+          <a:noFill/>
+        </p:spPr>
+        <p:txBody>
+          <a:bodyPr wrap="square" rtlCol="0">
+            <a:spAutoFit/>
+          </a:bodyPr>
+          <a:lstStyle/>
+          <a:p>
+            <a:r>
+              <a:rPr lang="en-US" sz="1600" b="1" dirty="0"/>
+              <a:t>Subject Spaghetti Plots by Class (original RA scale)</a:t>
+            </a:r>
           </a:p>
         </p:txBody>
       </p:sp>
     </p:spTree>
     <p:extLst>
       <p:ext uri="{BB962C8B-B14F-4D97-AF65-F5344CB8AC3E}">
-        <p14:creationId xmlns:p14="http://schemas.microsoft.com/office/powerpoint/2010/main" val="233620984"/>
+        <p14:creationId xmlns:p14="http://schemas.microsoft.com/office/powerpoint/2010/main" val="707280385"/>
       </p:ext>
     </p:extLst>
   </p:cSld>
@@ -18512,7 +19489,7 @@
 </p:sld>
 </file>
 
-<file path=ppt/slides/slide30.xml><?xml version="1.0" encoding="utf-8"?>
+<file path=ppt/slides/slide32.xml><?xml version="1.0" encoding="utf-8"?>
 <p:sld xmlns:a="http://schemas.openxmlformats.org/drawingml/2006/main" xmlns:r="http://schemas.openxmlformats.org/officeDocument/2006/relationships" xmlns:p="http://schemas.openxmlformats.org/presentationml/2006/main">
   <p:cSld>
     <p:spTree>
@@ -18635,7 +19612,7 @@
 </p:sld>
 </file>
 
-<file path=ppt/slides/slide31.xml><?xml version="1.0" encoding="utf-8"?>
+<file path=ppt/slides/slide33.xml><?xml version="1.0" encoding="utf-8"?>
 <p:sld xmlns:a="http://schemas.openxmlformats.org/drawingml/2006/main" xmlns:r="http://schemas.openxmlformats.org/officeDocument/2006/relationships" xmlns:p="http://schemas.openxmlformats.org/presentationml/2006/main">
   <p:cSld>
     <p:spTree>
@@ -18819,258 +19796,6 @@
 </p:sld>
 </file>
 
-<file path=ppt/slides/slide32.xml><?xml version="1.0" encoding="utf-8"?>
-<p:sld xmlns:a="http://schemas.openxmlformats.org/drawingml/2006/main" xmlns:r="http://schemas.openxmlformats.org/officeDocument/2006/relationships" xmlns:p="http://schemas.openxmlformats.org/presentationml/2006/main">
-  <p:cSld>
-    <p:spTree>
-      <p:nvGrpSpPr>
-        <p:cNvPr id="1" name=""/>
-        <p:cNvGrpSpPr/>
-        <p:nvPr/>
-      </p:nvGrpSpPr>
-      <p:grpSpPr>
-        <a:xfrm>
-          <a:off x="0" y="0"/>
-          <a:ext cx="0" cy="0"/>
-          <a:chOff x="0" y="0"/>
-          <a:chExt cx="0" cy="0"/>
-        </a:xfrm>
-      </p:grpSpPr>
-      <p:sp>
-        <p:nvSpPr>
-          <p:cNvPr id="2" name="Title 1">
-            <a:extLst>
-              <a:ext uri="{FF2B5EF4-FFF2-40B4-BE49-F238E27FC236}">
-                <a16:creationId xmlns:a16="http://schemas.microsoft.com/office/drawing/2014/main" id="{0DA9A699-B96C-49E5-B2F8-FE4704266A09}"/>
-              </a:ext>
-            </a:extLst>
-          </p:cNvPr>
-          <p:cNvSpPr>
-            <a:spLocks noGrp="1"/>
-          </p:cNvSpPr>
-          <p:nvPr>
-            <p:ph type="title"/>
-          </p:nvPr>
-        </p:nvSpPr>
-        <p:spPr/>
-        <p:txBody>
-          <a:bodyPr/>
-          <a:lstStyle/>
-          <a:p>
-            <a:r>
-              <a:rPr lang="en-US" dirty="0"/>
-              <a:t>Discussion</a:t>
-            </a:r>
-          </a:p>
-        </p:txBody>
-      </p:sp>
-      <p:sp>
-        <p:nvSpPr>
-          <p:cNvPr id="3" name="Content Placeholder 2">
-            <a:extLst>
-              <a:ext uri="{FF2B5EF4-FFF2-40B4-BE49-F238E27FC236}">
-                <a16:creationId xmlns:a16="http://schemas.microsoft.com/office/drawing/2014/main" id="{EF27BE55-7695-496C-8E42-6BD1865F0B64}"/>
-              </a:ext>
-            </a:extLst>
-          </p:cNvPr>
-          <p:cNvSpPr>
-            <a:spLocks noGrp="1"/>
-          </p:cNvSpPr>
-          <p:nvPr>
-            <p:ph idx="1"/>
-          </p:nvPr>
-        </p:nvSpPr>
-        <p:spPr>
-          <a:xfrm>
-            <a:off x="838200" y="2141537"/>
-            <a:ext cx="10515600" cy="4351338"/>
-          </a:xfrm>
-        </p:spPr>
-        <p:txBody>
-          <a:bodyPr/>
-          <a:lstStyle/>
-          <a:p>
-            <a:r>
-              <a:rPr lang="en-US" dirty="0"/>
-              <a:t>After simplifying microbiome taxa to 4-5 groups, still difficult to obtain results for multivariate model without simplest trajectories </a:t>
-            </a:r>
-          </a:p>
-          <a:p>
-            <a:r>
-              <a:rPr lang="en-US" dirty="0"/>
-              <a:t>Majority of infants grouped into a single class defined by loss of </a:t>
-            </a:r>
-            <a:r>
-              <a:rPr lang="en-US" i="1" dirty="0"/>
-              <a:t>Streptococcus</a:t>
-            </a:r>
-            <a:r>
-              <a:rPr lang="en-US" dirty="0"/>
-              <a:t> over time</a:t>
-            </a:r>
-          </a:p>
-          <a:p>
-            <a:r>
-              <a:rPr lang="en-US" dirty="0"/>
-              <a:t>May be that airway microbiome is homogenous in first year of life</a:t>
-            </a:r>
-          </a:p>
-          <a:p>
-            <a:pPr lvl="1"/>
-            <a:r>
-              <a:rPr lang="en-US" dirty="0"/>
-              <a:t>Patients with CF may not diverge until later in life</a:t>
-            </a:r>
-          </a:p>
-          <a:p>
-            <a:r>
-              <a:rPr lang="en-US" dirty="0"/>
-              <a:t>No strong evidence that clinical covariates were associated with trends in </a:t>
-            </a:r>
-            <a:r>
-              <a:rPr lang="en-US" i="1" dirty="0"/>
-              <a:t>Streptococcus </a:t>
-            </a:r>
-            <a:r>
-              <a:rPr lang="en-US" dirty="0"/>
-              <a:t>relative abundance over time</a:t>
-            </a:r>
-            <a:endParaRPr lang="en-US" i="1" dirty="0"/>
-          </a:p>
-        </p:txBody>
-      </p:sp>
-    </p:spTree>
-    <p:extLst>
-      <p:ext uri="{BB962C8B-B14F-4D97-AF65-F5344CB8AC3E}">
-        <p14:creationId xmlns:p14="http://schemas.microsoft.com/office/powerpoint/2010/main" val="191724831"/>
-      </p:ext>
-    </p:extLst>
-  </p:cSld>
-  <p:clrMapOvr>
-    <a:masterClrMapping/>
-  </p:clrMapOvr>
-</p:sld>
-</file>
-
-<file path=ppt/slides/slide33.xml><?xml version="1.0" encoding="utf-8"?>
-<p:sld xmlns:a="http://schemas.openxmlformats.org/drawingml/2006/main" xmlns:r="http://schemas.openxmlformats.org/officeDocument/2006/relationships" xmlns:p="http://schemas.openxmlformats.org/presentationml/2006/main">
-  <p:cSld>
-    <p:spTree>
-      <p:nvGrpSpPr>
-        <p:cNvPr id="1" name=""/>
-        <p:cNvGrpSpPr/>
-        <p:nvPr/>
-      </p:nvGrpSpPr>
-      <p:grpSpPr>
-        <a:xfrm>
-          <a:off x="0" y="0"/>
-          <a:ext cx="0" cy="0"/>
-          <a:chOff x="0" y="0"/>
-          <a:chExt cx="0" cy="0"/>
-        </a:xfrm>
-      </p:grpSpPr>
-      <p:sp>
-        <p:nvSpPr>
-          <p:cNvPr id="2" name="Title 1">
-            <a:extLst>
-              <a:ext uri="{FF2B5EF4-FFF2-40B4-BE49-F238E27FC236}">
-                <a16:creationId xmlns:a16="http://schemas.microsoft.com/office/drawing/2014/main" id="{0DA9A699-B96C-49E5-B2F8-FE4704266A09}"/>
-              </a:ext>
-            </a:extLst>
-          </p:cNvPr>
-          <p:cNvSpPr>
-            <a:spLocks noGrp="1"/>
-          </p:cNvSpPr>
-          <p:nvPr>
-            <p:ph type="title"/>
-          </p:nvPr>
-        </p:nvSpPr>
-        <p:spPr/>
-        <p:txBody>
-          <a:bodyPr/>
-          <a:lstStyle/>
-          <a:p>
-            <a:r>
-              <a:rPr lang="en-US" dirty="0"/>
-              <a:t>Discussion</a:t>
-            </a:r>
-          </a:p>
-        </p:txBody>
-      </p:sp>
-      <p:sp>
-        <p:nvSpPr>
-          <p:cNvPr id="3" name="Content Placeholder 2">
-            <a:extLst>
-              <a:ext uri="{FF2B5EF4-FFF2-40B4-BE49-F238E27FC236}">
-                <a16:creationId xmlns:a16="http://schemas.microsoft.com/office/drawing/2014/main" id="{EF27BE55-7695-496C-8E42-6BD1865F0B64}"/>
-              </a:ext>
-            </a:extLst>
-          </p:cNvPr>
-          <p:cNvSpPr>
-            <a:spLocks noGrp="1"/>
-          </p:cNvSpPr>
-          <p:nvPr>
-            <p:ph idx="1"/>
-          </p:nvPr>
-        </p:nvSpPr>
-        <p:spPr/>
-        <p:txBody>
-          <a:bodyPr/>
-          <a:lstStyle/>
-          <a:p>
-            <a:r>
-              <a:rPr lang="en-US" dirty="0"/>
-              <a:t>Lots of different models run; lots did not converge</a:t>
-            </a:r>
-          </a:p>
-          <a:p>
-            <a:pPr lvl="1"/>
-            <a:r>
-              <a:rPr lang="en-US" dirty="0"/>
-              <a:t>Of the 3 criteria, it was almost always the derivative criteria</a:t>
-            </a:r>
-          </a:p>
-          <a:p>
-            <a:pPr lvl="1"/>
-            <a:r>
-              <a:rPr lang="en-US" dirty="0"/>
-              <a:t> possible reasons: estimates at boundaries of the parameter space, class-specific covariates that are too high or low (perfect classification)</a:t>
-            </a:r>
-          </a:p>
-          <a:p>
-            <a:r>
-              <a:rPr lang="en-US" dirty="0"/>
-              <a:t>Very difficult to balance the increasing number of parameters estimated with an increasingly complex model</a:t>
-            </a:r>
-          </a:p>
-          <a:p>
-            <a:pPr lvl="1"/>
-            <a:r>
-              <a:rPr lang="en-US" dirty="0"/>
-              <a:t>Either need very large sample size, and/or a very simple model in mind when implementing this method</a:t>
-            </a:r>
-          </a:p>
-          <a:p>
-            <a:endParaRPr lang="en-US" dirty="0"/>
-          </a:p>
-          <a:p>
-            <a:endParaRPr lang="en-US" dirty="0"/>
-          </a:p>
-        </p:txBody>
-      </p:sp>
-    </p:spTree>
-    <p:extLst>
-      <p:ext uri="{BB962C8B-B14F-4D97-AF65-F5344CB8AC3E}">
-        <p14:creationId xmlns:p14="http://schemas.microsoft.com/office/powerpoint/2010/main" val="2098122000"/>
-      </p:ext>
-    </p:extLst>
-  </p:cSld>
-  <p:clrMapOvr>
-    <a:masterClrMapping/>
-  </p:clrMapOvr>
-</p:sld>
-</file>
-
 <file path=ppt/slides/slide34.xml><?xml version="1.0" encoding="utf-8"?>
 <p:sld xmlns:a="http://schemas.openxmlformats.org/drawingml/2006/main" xmlns:r="http://schemas.openxmlformats.org/officeDocument/2006/relationships" xmlns:p="http://schemas.openxmlformats.org/presentationml/2006/main">
   <p:cSld>
@@ -19093,7 +19818,7 @@
           <p:cNvPr id="2" name="Title 1">
             <a:extLst>
               <a:ext uri="{FF2B5EF4-FFF2-40B4-BE49-F238E27FC236}">
-                <a16:creationId xmlns:a16="http://schemas.microsoft.com/office/drawing/2014/main" id="{4B995EB6-466D-4167-B211-CEFDD9839537}"/>
+                <a16:creationId xmlns:a16="http://schemas.microsoft.com/office/drawing/2014/main" id="{0DA9A699-B96C-49E5-B2F8-FE4704266A09}"/>
               </a:ext>
             </a:extLst>
           </p:cNvPr>
@@ -19111,7 +19836,7 @@
           <a:p>
             <a:r>
               <a:rPr lang="en-US" dirty="0"/>
-              <a:t>Discussion: LCMM package</a:t>
+              <a:t>Discussion</a:t>
             </a:r>
           </a:p>
         </p:txBody>
@@ -19121,7 +19846,7 @@
           <p:cNvPr id="3" name="Content Placeholder 2">
             <a:extLst>
               <a:ext uri="{FF2B5EF4-FFF2-40B4-BE49-F238E27FC236}">
-                <a16:creationId xmlns:a16="http://schemas.microsoft.com/office/drawing/2014/main" id="{1C9BD0E3-6F95-4CD9-A515-8D9DB1234ED9}"/>
+                <a16:creationId xmlns:a16="http://schemas.microsoft.com/office/drawing/2014/main" id="{EF27BE55-7695-496C-8E42-6BD1865F0B64}"/>
               </a:ext>
             </a:extLst>
           </p:cNvPr>
@@ -19134,8 +19859,8 @@
         </p:nvSpPr>
         <p:spPr>
           <a:xfrm>
-            <a:off x="838200" y="1825624"/>
-            <a:ext cx="10515600" cy="5032375"/>
+            <a:off x="838200" y="2141537"/>
+            <a:ext cx="10515600" cy="4351338"/>
           </a:xfrm>
         </p:spPr>
         <p:txBody>
@@ -19144,58 +19869,57 @@
           <a:p>
             <a:r>
               <a:rPr lang="en-US" dirty="0"/>
-              <a:t>Very straightforward implementation of many different models</a:t>
+              <a:t>After simplifying microbiome taxa to 4-5 groups, still difficult to obtain results for multivariate model without simplest trajectories </a:t>
+            </a:r>
+          </a:p>
+          <a:p>
+            <a:r>
+              <a:rPr lang="en-US" dirty="0"/>
+              <a:t>Majority of infants grouped into a single class defined by loss of </a:t>
+            </a:r>
+            <a:r>
+              <a:rPr lang="en-US" i="1" dirty="0"/>
+              <a:t>Streptococcus</a:t>
+            </a:r>
+            <a:r>
+              <a:rPr lang="en-US" dirty="0"/>
+              <a:t> over time</a:t>
+            </a:r>
+          </a:p>
+          <a:p>
+            <a:r>
+              <a:rPr lang="en-US" dirty="0"/>
+              <a:t>May be that airway microbiome is homogenous in first year of life</a:t>
             </a:r>
           </a:p>
           <a:p>
             <a:pPr lvl="1"/>
             <a:r>
               <a:rPr lang="en-US" dirty="0"/>
-              <a:t>Covariates, Trajectory types, Multivariate, random effects modeling</a:t>
+              <a:t>Patients with CF may not diverge until later in life</a:t>
             </a:r>
           </a:p>
           <a:p>
             <a:r>
               <a:rPr lang="en-US" dirty="0"/>
-              <a:t>Built in assessment of the latent class model</a:t>
-            </a:r>
-          </a:p>
-          <a:p>
+              <a:t>No strong evidence that clinical covariates were associated with trends in </a:t>
+            </a:r>
+            <a:r>
+              <a:rPr lang="en-US" i="1" dirty="0"/>
+              <a:t>Streptococcus </a:t>
+            </a:r>
             <a:r>
               <a:rPr lang="en-US" dirty="0"/>
-              <a:t>Thorough documentation and reproducible examples</a:t>
-            </a:r>
-          </a:p>
-          <a:p>
-            <a:endParaRPr lang="en-US" dirty="0"/>
-          </a:p>
-          <a:p>
-            <a:r>
-              <a:rPr lang="en-US" dirty="0"/>
-              <a:t>Very strict model convergence criteria</a:t>
-            </a:r>
-          </a:p>
-          <a:p>
-            <a:endParaRPr lang="en-US" dirty="0"/>
-          </a:p>
-          <a:p>
-            <a:r>
-              <a:rPr lang="en-US" dirty="0"/>
-              <a:t>High computation times for more complex models (not necessarily packages fault)</a:t>
-            </a:r>
-          </a:p>
-          <a:p>
-            <a:endParaRPr lang="en-US" dirty="0"/>
-          </a:p>
-          <a:p>
-            <a:endParaRPr lang="en-US" dirty="0"/>
+              <a:t>relative abundance over time</a:t>
+            </a:r>
+            <a:endParaRPr lang="en-US" i="1" dirty="0"/>
           </a:p>
         </p:txBody>
       </p:sp>
     </p:spTree>
     <p:extLst>
       <p:ext uri="{BB962C8B-B14F-4D97-AF65-F5344CB8AC3E}">
-        <p14:creationId xmlns:p14="http://schemas.microsoft.com/office/powerpoint/2010/main" val="11420265"/>
+        <p14:creationId xmlns:p14="http://schemas.microsoft.com/office/powerpoint/2010/main" val="191724831"/>
       </p:ext>
     </p:extLst>
   </p:cSld>
@@ -19227,7 +19951,7 @@
           <p:cNvPr id="2" name="Title 1">
             <a:extLst>
               <a:ext uri="{FF2B5EF4-FFF2-40B4-BE49-F238E27FC236}">
-                <a16:creationId xmlns:a16="http://schemas.microsoft.com/office/drawing/2014/main" id="{239050B6-F7DB-42A1-A86B-D8DF07308235}"/>
+                <a16:creationId xmlns:a16="http://schemas.microsoft.com/office/drawing/2014/main" id="{0DA9A699-B96C-49E5-B2F8-FE4704266A09}"/>
               </a:ext>
             </a:extLst>
           </p:cNvPr>
@@ -19245,7 +19969,7 @@
           <a:p>
             <a:r>
               <a:rPr lang="en-US" dirty="0"/>
-              <a:t>Future work</a:t>
+              <a:t>Discussion</a:t>
             </a:r>
           </a:p>
         </p:txBody>
@@ -19255,7 +19979,7 @@
           <p:cNvPr id="3" name="Content Placeholder 2">
             <a:extLst>
               <a:ext uri="{FF2B5EF4-FFF2-40B4-BE49-F238E27FC236}">
-                <a16:creationId xmlns:a16="http://schemas.microsoft.com/office/drawing/2014/main" id="{D1E68F8C-B900-4A45-9B28-EE79E4964E9D}"/>
+                <a16:creationId xmlns:a16="http://schemas.microsoft.com/office/drawing/2014/main" id="{EF27BE55-7695-496C-8E42-6BD1865F0B64}"/>
               </a:ext>
             </a:extLst>
           </p:cNvPr>
@@ -19273,54 +19997,48 @@
           <a:p>
             <a:r>
               <a:rPr lang="en-US" dirty="0"/>
-              <a:t>Still optimistic about the utility of this method in airway microbiomes</a:t>
+              <a:t>Lots of different models run; lots did not converge</a:t>
             </a:r>
           </a:p>
           <a:p>
             <a:pPr lvl="1"/>
             <a:r>
               <a:rPr lang="en-US" dirty="0"/>
-              <a:t>This study alone provides several other potential avenues: other taxa, multivariate, </a:t>
-            </a:r>
-            <a:r>
-              <a:rPr lang="en-US" dirty="0" err="1"/>
-              <a:t>etc</a:t>
-            </a:r>
+              <a:t>Of the 3 criteria, it was almost always the derivative criteria</a:t>
+            </a:r>
+          </a:p>
+          <a:p>
+            <a:pPr lvl="1"/>
+            <a:r>
+              <a:rPr lang="en-US" dirty="0"/>
+              <a:t> Possible reasons: estimates at boundaries of the parameter space, class-specific covariates that are too high or low (perfect classification); very flat likelihood</a:t>
+            </a:r>
+          </a:p>
+          <a:p>
+            <a:r>
+              <a:rPr lang="en-US" dirty="0"/>
+              <a:t>Very difficult to balance the increasing number of parameters estimated with an increasingly complex model</a:t>
+            </a:r>
+          </a:p>
+          <a:p>
+            <a:pPr lvl="1"/>
+            <a:r>
+              <a:rPr lang="en-US" dirty="0"/>
+              <a:t>Either need very large sample size, and/or a very simple model in mind when implementing this method</a:t>
+            </a:r>
+          </a:p>
+          <a:p>
             <a:endParaRPr lang="en-US" dirty="0"/>
           </a:p>
           <a:p>
-            <a:pPr lvl="1"/>
-            <a:r>
-              <a:rPr lang="en-US" dirty="0"/>
-              <a:t>More complex modeling of the trajectories (more focused first aim) to better understand </a:t>
-            </a:r>
-            <a:r>
-              <a:rPr lang="en-US" dirty="0" err="1"/>
-              <a:t>Strep’s</a:t>
-            </a:r>
-            <a:r>
-              <a:rPr lang="en-US" dirty="0"/>
-              <a:t> trajectory over time</a:t>
-            </a:r>
-          </a:p>
-          <a:p>
-            <a:r>
-              <a:rPr lang="en-US" dirty="0"/>
-              <a:t>Lots of work in optimizing the balance of parameters estimated and model complexity </a:t>
-            </a:r>
-          </a:p>
-          <a:p>
-            <a:r>
-              <a:rPr lang="en-US" dirty="0"/>
-              <a:t>Comparing this method more in depth to two stage models and other Structural equation modeling methods (simulation to be done?)</a:t>
-            </a:r>
+            <a:endParaRPr lang="en-US" dirty="0"/>
           </a:p>
         </p:txBody>
       </p:sp>
     </p:spTree>
     <p:extLst>
       <p:ext uri="{BB962C8B-B14F-4D97-AF65-F5344CB8AC3E}">
-        <p14:creationId xmlns:p14="http://schemas.microsoft.com/office/powerpoint/2010/main" val="1898360312"/>
+        <p14:creationId xmlns:p14="http://schemas.microsoft.com/office/powerpoint/2010/main" val="2098122000"/>
       </p:ext>
     </p:extLst>
   </p:cSld>
@@ -19352,6 +20070,259 @@
           <p:cNvPr id="2" name="Title 1">
             <a:extLst>
               <a:ext uri="{FF2B5EF4-FFF2-40B4-BE49-F238E27FC236}">
+                <a16:creationId xmlns:a16="http://schemas.microsoft.com/office/drawing/2014/main" id="{4B995EB6-466D-4167-B211-CEFDD9839537}"/>
+              </a:ext>
+            </a:extLst>
+          </p:cNvPr>
+          <p:cNvSpPr>
+            <a:spLocks noGrp="1"/>
+          </p:cNvSpPr>
+          <p:nvPr>
+            <p:ph type="title"/>
+          </p:nvPr>
+        </p:nvSpPr>
+        <p:spPr/>
+        <p:txBody>
+          <a:bodyPr/>
+          <a:lstStyle/>
+          <a:p>
+            <a:r>
+              <a:rPr lang="en-US" dirty="0"/>
+              <a:t>Discussion: LCMM package</a:t>
+            </a:r>
+          </a:p>
+        </p:txBody>
+      </p:sp>
+      <p:sp>
+        <p:nvSpPr>
+          <p:cNvPr id="3" name="Content Placeholder 2">
+            <a:extLst>
+              <a:ext uri="{FF2B5EF4-FFF2-40B4-BE49-F238E27FC236}">
+                <a16:creationId xmlns:a16="http://schemas.microsoft.com/office/drawing/2014/main" id="{1C9BD0E3-6F95-4CD9-A515-8D9DB1234ED9}"/>
+              </a:ext>
+            </a:extLst>
+          </p:cNvPr>
+          <p:cNvSpPr>
+            <a:spLocks noGrp="1"/>
+          </p:cNvSpPr>
+          <p:nvPr>
+            <p:ph idx="1"/>
+          </p:nvPr>
+        </p:nvSpPr>
+        <p:spPr>
+          <a:xfrm>
+            <a:off x="838200" y="1825624"/>
+            <a:ext cx="10515600" cy="5032375"/>
+          </a:xfrm>
+        </p:spPr>
+        <p:txBody>
+          <a:bodyPr/>
+          <a:lstStyle/>
+          <a:p>
+            <a:r>
+              <a:rPr lang="en-US" dirty="0"/>
+              <a:t>Very straightforward implementation of many different models</a:t>
+            </a:r>
+          </a:p>
+          <a:p>
+            <a:pPr lvl="1"/>
+            <a:r>
+              <a:rPr lang="en-US" dirty="0"/>
+              <a:t>Covariates, Trajectory types, Multivariate, random effects modeling</a:t>
+            </a:r>
+          </a:p>
+          <a:p>
+            <a:r>
+              <a:rPr lang="en-US" dirty="0"/>
+              <a:t>Built in assessment of the latent class model</a:t>
+            </a:r>
+          </a:p>
+          <a:p>
+            <a:r>
+              <a:rPr lang="en-US" dirty="0"/>
+              <a:t>Thorough documentation and reproducible examples</a:t>
+            </a:r>
+          </a:p>
+          <a:p>
+            <a:r>
+              <a:rPr lang="en-US" dirty="0"/>
+              <a:t>Very strict model convergence criteria</a:t>
+            </a:r>
+          </a:p>
+          <a:p>
+            <a:r>
+              <a:rPr lang="en-US" dirty="0"/>
+              <a:t>High computation times for more complex models (not necessarily packages fault)</a:t>
+            </a:r>
+          </a:p>
+          <a:p>
+            <a:endParaRPr lang="en-US" dirty="0"/>
+          </a:p>
+          <a:p>
+            <a:endParaRPr lang="en-US" dirty="0"/>
+          </a:p>
+        </p:txBody>
+      </p:sp>
+    </p:spTree>
+    <p:extLst>
+      <p:ext uri="{BB962C8B-B14F-4D97-AF65-F5344CB8AC3E}">
+        <p14:creationId xmlns:p14="http://schemas.microsoft.com/office/powerpoint/2010/main" val="11420265"/>
+      </p:ext>
+    </p:extLst>
+  </p:cSld>
+  <p:clrMapOvr>
+    <a:masterClrMapping/>
+  </p:clrMapOvr>
+</p:sld>
+</file>
+
+<file path=ppt/slides/slide37.xml><?xml version="1.0" encoding="utf-8"?>
+<p:sld xmlns:a="http://schemas.openxmlformats.org/drawingml/2006/main" xmlns:r="http://schemas.openxmlformats.org/officeDocument/2006/relationships" xmlns:p="http://schemas.openxmlformats.org/presentationml/2006/main">
+  <p:cSld>
+    <p:spTree>
+      <p:nvGrpSpPr>
+        <p:cNvPr id="1" name=""/>
+        <p:cNvGrpSpPr/>
+        <p:nvPr/>
+      </p:nvGrpSpPr>
+      <p:grpSpPr>
+        <a:xfrm>
+          <a:off x="0" y="0"/>
+          <a:ext cx="0" cy="0"/>
+          <a:chOff x="0" y="0"/>
+          <a:chExt cx="0" cy="0"/>
+        </a:xfrm>
+      </p:grpSpPr>
+      <p:sp>
+        <p:nvSpPr>
+          <p:cNvPr id="2" name="Title 1">
+            <a:extLst>
+              <a:ext uri="{FF2B5EF4-FFF2-40B4-BE49-F238E27FC236}">
+                <a16:creationId xmlns:a16="http://schemas.microsoft.com/office/drawing/2014/main" id="{239050B6-F7DB-42A1-A86B-D8DF07308235}"/>
+              </a:ext>
+            </a:extLst>
+          </p:cNvPr>
+          <p:cNvSpPr>
+            <a:spLocks noGrp="1"/>
+          </p:cNvSpPr>
+          <p:nvPr>
+            <p:ph type="title"/>
+          </p:nvPr>
+        </p:nvSpPr>
+        <p:spPr/>
+        <p:txBody>
+          <a:bodyPr/>
+          <a:lstStyle/>
+          <a:p>
+            <a:r>
+              <a:rPr lang="en-US" dirty="0"/>
+              <a:t>Future work</a:t>
+            </a:r>
+          </a:p>
+        </p:txBody>
+      </p:sp>
+      <p:sp>
+        <p:nvSpPr>
+          <p:cNvPr id="3" name="Content Placeholder 2">
+            <a:extLst>
+              <a:ext uri="{FF2B5EF4-FFF2-40B4-BE49-F238E27FC236}">
+                <a16:creationId xmlns:a16="http://schemas.microsoft.com/office/drawing/2014/main" id="{D1E68F8C-B900-4A45-9B28-EE79E4964E9D}"/>
+              </a:ext>
+            </a:extLst>
+          </p:cNvPr>
+          <p:cNvSpPr>
+            <a:spLocks noGrp="1"/>
+          </p:cNvSpPr>
+          <p:nvPr>
+            <p:ph idx="1"/>
+          </p:nvPr>
+        </p:nvSpPr>
+        <p:spPr/>
+        <p:txBody>
+          <a:bodyPr/>
+          <a:lstStyle/>
+          <a:p>
+            <a:r>
+              <a:rPr lang="en-US" dirty="0"/>
+              <a:t>Still optimistic about the utility of this method in airway microbiomes</a:t>
+            </a:r>
+          </a:p>
+          <a:p>
+            <a:pPr lvl="1"/>
+            <a:r>
+              <a:rPr lang="en-US" dirty="0"/>
+              <a:t>This study alone provides several other potential avenues: other taxa, multivariate, </a:t>
+            </a:r>
+            <a:r>
+              <a:rPr lang="en-US" dirty="0" err="1"/>
+              <a:t>etc</a:t>
+            </a:r>
+            <a:endParaRPr lang="en-US" dirty="0"/>
+          </a:p>
+          <a:p>
+            <a:pPr lvl="1"/>
+            <a:r>
+              <a:rPr lang="en-US" dirty="0"/>
+              <a:t>More complex modeling of the trajectories (more focused first aim) to better understand </a:t>
+            </a:r>
+            <a:r>
+              <a:rPr lang="en-US" dirty="0" err="1"/>
+              <a:t>Strep’s</a:t>
+            </a:r>
+            <a:r>
+              <a:rPr lang="en-US" dirty="0"/>
+              <a:t> trajectory over time</a:t>
+            </a:r>
+          </a:p>
+          <a:p>
+            <a:r>
+              <a:rPr lang="en-US" dirty="0"/>
+              <a:t>Lots of work in optimizing the balance of parameters estimated and model complexity </a:t>
+            </a:r>
+          </a:p>
+          <a:p>
+            <a:r>
+              <a:rPr lang="en-US" dirty="0"/>
+              <a:t>Comparing this method more in depth to two stage models and other Structural equation modeling methods (simulation to be done?)</a:t>
+            </a:r>
+          </a:p>
+        </p:txBody>
+      </p:sp>
+    </p:spTree>
+    <p:extLst>
+      <p:ext uri="{BB962C8B-B14F-4D97-AF65-F5344CB8AC3E}">
+        <p14:creationId xmlns:p14="http://schemas.microsoft.com/office/powerpoint/2010/main" val="1898360312"/>
+      </p:ext>
+    </p:extLst>
+  </p:cSld>
+  <p:clrMapOvr>
+    <a:masterClrMapping/>
+  </p:clrMapOvr>
+</p:sld>
+</file>
+
+<file path=ppt/slides/slide38.xml><?xml version="1.0" encoding="utf-8"?>
+<p:sld xmlns:a="http://schemas.openxmlformats.org/drawingml/2006/main" xmlns:r="http://schemas.openxmlformats.org/officeDocument/2006/relationships" xmlns:p="http://schemas.openxmlformats.org/presentationml/2006/main">
+  <p:cSld>
+    <p:spTree>
+      <p:nvGrpSpPr>
+        <p:cNvPr id="1" name=""/>
+        <p:cNvGrpSpPr/>
+        <p:nvPr/>
+      </p:nvGrpSpPr>
+      <p:grpSpPr>
+        <a:xfrm>
+          <a:off x="0" y="0"/>
+          <a:ext cx="0" cy="0"/>
+          <a:chOff x="0" y="0"/>
+          <a:chExt cx="0" cy="0"/>
+        </a:xfrm>
+      </p:grpSpPr>
+      <p:sp>
+        <p:nvSpPr>
+          <p:cNvPr id="2" name="Title 1">
+            <a:extLst>
+              <a:ext uri="{FF2B5EF4-FFF2-40B4-BE49-F238E27FC236}">
                 <a16:creationId xmlns:a16="http://schemas.microsoft.com/office/drawing/2014/main" id="{110DE60D-22EF-408F-BC5C-788CB243D8C5}"/>
               </a:ext>
             </a:extLst>
@@ -21069,7 +22040,7 @@
 </p:sld>
 </file>
 
-<file path=ppt/slides/slide37.xml><?xml version="1.0" encoding="utf-8"?>
+<file path=ppt/slides/slide39.xml><?xml version="1.0" encoding="utf-8"?>
 <p:sld xmlns:a="http://schemas.openxmlformats.org/drawingml/2006/main" xmlns:r="http://schemas.openxmlformats.org/officeDocument/2006/relationships" xmlns:p="http://schemas.openxmlformats.org/presentationml/2006/main">
   <p:cSld>
     <p:spTree>
@@ -21357,235 +22328,6 @@
     <p:extLst>
       <p:ext uri="{BB962C8B-B14F-4D97-AF65-F5344CB8AC3E}">
         <p14:creationId xmlns:p14="http://schemas.microsoft.com/office/powerpoint/2010/main" val="708098244"/>
-      </p:ext>
-    </p:extLst>
-  </p:cSld>
-  <p:clrMapOvr>
-    <a:masterClrMapping/>
-  </p:clrMapOvr>
-</p:sld>
-</file>
-
-<file path=ppt/slides/slide38.xml><?xml version="1.0" encoding="utf-8"?>
-<p:sld xmlns:a="http://schemas.openxmlformats.org/drawingml/2006/main" xmlns:r="http://schemas.openxmlformats.org/officeDocument/2006/relationships" xmlns:p="http://schemas.openxmlformats.org/presentationml/2006/main">
-  <p:cSld>
-    <p:spTree>
-      <p:nvGrpSpPr>
-        <p:cNvPr id="1" name=""/>
-        <p:cNvGrpSpPr/>
-        <p:nvPr/>
-      </p:nvGrpSpPr>
-      <p:grpSpPr>
-        <a:xfrm>
-          <a:off x="0" y="0"/>
-          <a:ext cx="0" cy="0"/>
-          <a:chOff x="0" y="0"/>
-          <a:chExt cx="0" cy="0"/>
-        </a:xfrm>
-      </p:grpSpPr>
-      <p:sp>
-        <p:nvSpPr>
-          <p:cNvPr id="2" name="Title 1">
-            <a:extLst>
-              <a:ext uri="{FF2B5EF4-FFF2-40B4-BE49-F238E27FC236}">
-                <a16:creationId xmlns:a16="http://schemas.microsoft.com/office/drawing/2014/main" id="{926761FE-F3F4-45FF-9A99-0671D7B74D17}"/>
-              </a:ext>
-            </a:extLst>
-          </p:cNvPr>
-          <p:cNvSpPr>
-            <a:spLocks noGrp="1"/>
-          </p:cNvSpPr>
-          <p:nvPr>
-            <p:ph type="title"/>
-          </p:nvPr>
-        </p:nvSpPr>
-        <p:spPr/>
-        <p:txBody>
-          <a:bodyPr/>
-          <a:lstStyle/>
-          <a:p>
-            <a:r>
-              <a:rPr lang="en-US" dirty="0" err="1"/>
-              <a:t>Misc</a:t>
-            </a:r>
-            <a:r>
-              <a:rPr lang="en-US" dirty="0"/>
-              <a:t> Results: Model Fit</a:t>
-            </a:r>
-          </a:p>
-        </p:txBody>
-      </p:sp>
-      <p:sp>
-        <p:nvSpPr>
-          <p:cNvPr id="8" name="Content Placeholder 7">
-            <a:extLst>
-              <a:ext uri="{FF2B5EF4-FFF2-40B4-BE49-F238E27FC236}">
-                <a16:creationId xmlns:a16="http://schemas.microsoft.com/office/drawing/2014/main" id="{736101FB-DB30-49FF-94A6-0ADAE3247BF5}"/>
-              </a:ext>
-            </a:extLst>
-          </p:cNvPr>
-          <p:cNvSpPr>
-            <a:spLocks noGrp="1"/>
-          </p:cNvSpPr>
-          <p:nvPr>
-            <p:ph idx="1"/>
-          </p:nvPr>
-        </p:nvSpPr>
-        <p:spPr>
-          <a:xfrm>
-            <a:off x="838200" y="1702206"/>
-            <a:ext cx="5005553" cy="4486274"/>
-          </a:xfrm>
-        </p:spPr>
-        <p:txBody>
-          <a:bodyPr/>
-          <a:lstStyle/>
-          <a:p>
-            <a:r>
-              <a:rPr lang="en-US" dirty="0"/>
-              <a:t>Residuals look evenly centered around 0 </a:t>
-            </a:r>
-          </a:p>
-          <a:p>
-            <a:pPr lvl="1"/>
-            <a:r>
-              <a:rPr lang="en-US" dirty="0"/>
-              <a:t>Possible divergence from normality at extreme values in sample</a:t>
-            </a:r>
-          </a:p>
-        </p:txBody>
-      </p:sp>
-      <p:pic>
-        <p:nvPicPr>
-          <p:cNvPr id="9" name="Picture 8">
-            <a:extLst>
-              <a:ext uri="{FF2B5EF4-FFF2-40B4-BE49-F238E27FC236}">
-                <a16:creationId xmlns:a16="http://schemas.microsoft.com/office/drawing/2014/main" id="{2A3A8A5B-23AA-42FC-B7CE-C56472397BE7}"/>
-              </a:ext>
-            </a:extLst>
-          </p:cNvPr>
-          <p:cNvPicPr>
-            <a:picLocks noChangeAspect="1"/>
-          </p:cNvPicPr>
-          <p:nvPr/>
-        </p:nvPicPr>
-        <p:blipFill>
-          <a:blip r:embed="rId3"/>
-          <a:stretch>
-            <a:fillRect/>
-          </a:stretch>
-        </p:blipFill>
-        <p:spPr>
-          <a:xfrm>
-            <a:off x="6450991" y="1027906"/>
-            <a:ext cx="5257800" cy="5257800"/>
-          </a:xfrm>
-          <a:prstGeom prst="rect">
-            <a:avLst/>
-          </a:prstGeom>
-        </p:spPr>
-      </p:pic>
-    </p:spTree>
-    <p:extLst>
-      <p:ext uri="{BB962C8B-B14F-4D97-AF65-F5344CB8AC3E}">
-        <p14:creationId xmlns:p14="http://schemas.microsoft.com/office/powerpoint/2010/main" val="861853394"/>
-      </p:ext>
-    </p:extLst>
-  </p:cSld>
-  <p:clrMapOvr>
-    <a:masterClrMapping/>
-  </p:clrMapOvr>
-</p:sld>
-</file>
-
-<file path=ppt/slides/slide39.xml><?xml version="1.0" encoding="utf-8"?>
-<p:sld xmlns:a="http://schemas.openxmlformats.org/drawingml/2006/main" xmlns:r="http://schemas.openxmlformats.org/officeDocument/2006/relationships" xmlns:p="http://schemas.openxmlformats.org/presentationml/2006/main">
-  <p:cSld>
-    <p:spTree>
-      <p:nvGrpSpPr>
-        <p:cNvPr id="1" name=""/>
-        <p:cNvGrpSpPr/>
-        <p:nvPr/>
-      </p:nvGrpSpPr>
-      <p:grpSpPr>
-        <a:xfrm>
-          <a:off x="0" y="0"/>
-          <a:ext cx="0" cy="0"/>
-          <a:chOff x="0" y="0"/>
-          <a:chExt cx="0" cy="0"/>
-        </a:xfrm>
-      </p:grpSpPr>
-      <p:sp>
-        <p:nvSpPr>
-          <p:cNvPr id="2" name="Title 1">
-            <a:extLst>
-              <a:ext uri="{FF2B5EF4-FFF2-40B4-BE49-F238E27FC236}">
-                <a16:creationId xmlns:a16="http://schemas.microsoft.com/office/drawing/2014/main" id="{AF5F25E2-1BF4-42DB-97AE-AE8B254B5AB3}"/>
-              </a:ext>
-            </a:extLst>
-          </p:cNvPr>
-          <p:cNvSpPr>
-            <a:spLocks noGrp="1"/>
-          </p:cNvSpPr>
-          <p:nvPr>
-            <p:ph type="title"/>
-          </p:nvPr>
-        </p:nvSpPr>
-        <p:spPr/>
-        <p:txBody>
-          <a:bodyPr/>
-          <a:lstStyle/>
-          <a:p>
-            <a:r>
-              <a:rPr lang="en-US" dirty="0" err="1"/>
-              <a:t>Misc</a:t>
-            </a:r>
-            <a:r>
-              <a:rPr lang="en-US" dirty="0"/>
-              <a:t> Figure: Scatter w/LOESS overlay</a:t>
-            </a:r>
-          </a:p>
-        </p:txBody>
-      </p:sp>
-      <p:pic>
-        <p:nvPicPr>
-          <p:cNvPr id="5" name="Content Placeholder 4" descr="A close up of a map&#10;&#10;Description automatically generated">
-            <a:extLst>
-              <a:ext uri="{FF2B5EF4-FFF2-40B4-BE49-F238E27FC236}">
-                <a16:creationId xmlns:a16="http://schemas.microsoft.com/office/drawing/2014/main" id="{315BE7E4-953D-43AC-86C9-6B533F80A50D}"/>
-              </a:ext>
-            </a:extLst>
-          </p:cNvPr>
-          <p:cNvPicPr>
-            <a:picLocks noGrp="1" noChangeAspect="1"/>
-          </p:cNvPicPr>
-          <p:nvPr>
-            <p:ph idx="1"/>
-          </p:nvPr>
-        </p:nvPicPr>
-        <p:blipFill>
-          <a:blip r:embed="rId2">
-            <a:extLst>
-              <a:ext uri="{28A0092B-C50C-407E-A947-70E740481C1C}">
-                <a14:useLocalDpi xmlns:a14="http://schemas.microsoft.com/office/drawing/2010/main" val="0"/>
-              </a:ext>
-            </a:extLst>
-          </a:blip>
-          <a:stretch>
-            <a:fillRect/>
-          </a:stretch>
-        </p:blipFill>
-        <p:spPr>
-          <a:xfrm>
-            <a:off x="3920331" y="1825625"/>
-            <a:ext cx="4351338" cy="4351338"/>
-          </a:xfrm>
-        </p:spPr>
-      </p:pic>
-    </p:spTree>
-    <p:extLst>
-      <p:ext uri="{BB962C8B-B14F-4D97-AF65-F5344CB8AC3E}">
-        <p14:creationId xmlns:p14="http://schemas.microsoft.com/office/powerpoint/2010/main" val="1604096743"/>
       </p:ext>
     </p:extLst>
   </p:cSld>
@@ -21938,6 +22680,235 @@
     <p:extLst>
       <p:ext uri="{BB962C8B-B14F-4D97-AF65-F5344CB8AC3E}">
         <p14:creationId xmlns:p14="http://schemas.microsoft.com/office/powerpoint/2010/main" val="2006593140"/>
+      </p:ext>
+    </p:extLst>
+  </p:cSld>
+  <p:clrMapOvr>
+    <a:masterClrMapping/>
+  </p:clrMapOvr>
+</p:sld>
+</file>
+
+<file path=ppt/slides/slide41.xml><?xml version="1.0" encoding="utf-8"?>
+<p:sld xmlns:a="http://schemas.openxmlformats.org/drawingml/2006/main" xmlns:r="http://schemas.openxmlformats.org/officeDocument/2006/relationships" xmlns:p="http://schemas.openxmlformats.org/presentationml/2006/main">
+  <p:cSld>
+    <p:spTree>
+      <p:nvGrpSpPr>
+        <p:cNvPr id="1" name=""/>
+        <p:cNvGrpSpPr/>
+        <p:nvPr/>
+      </p:nvGrpSpPr>
+      <p:grpSpPr>
+        <a:xfrm>
+          <a:off x="0" y="0"/>
+          <a:ext cx="0" cy="0"/>
+          <a:chOff x="0" y="0"/>
+          <a:chExt cx="0" cy="0"/>
+        </a:xfrm>
+      </p:grpSpPr>
+      <p:sp>
+        <p:nvSpPr>
+          <p:cNvPr id="2" name="Title 1">
+            <a:extLst>
+              <a:ext uri="{FF2B5EF4-FFF2-40B4-BE49-F238E27FC236}">
+                <a16:creationId xmlns:a16="http://schemas.microsoft.com/office/drawing/2014/main" id="{AF5F25E2-1BF4-42DB-97AE-AE8B254B5AB3}"/>
+              </a:ext>
+            </a:extLst>
+          </p:cNvPr>
+          <p:cNvSpPr>
+            <a:spLocks noGrp="1"/>
+          </p:cNvSpPr>
+          <p:nvPr>
+            <p:ph type="title"/>
+          </p:nvPr>
+        </p:nvSpPr>
+        <p:spPr/>
+        <p:txBody>
+          <a:bodyPr/>
+          <a:lstStyle/>
+          <a:p>
+            <a:r>
+              <a:rPr lang="en-US" dirty="0" err="1"/>
+              <a:t>Misc</a:t>
+            </a:r>
+            <a:r>
+              <a:rPr lang="en-US" dirty="0"/>
+              <a:t> Figure: Scatter w/LOESS overlay</a:t>
+            </a:r>
+          </a:p>
+        </p:txBody>
+      </p:sp>
+      <p:pic>
+        <p:nvPicPr>
+          <p:cNvPr id="5" name="Content Placeholder 4" descr="A close up of a map&#10;&#10;Description automatically generated">
+            <a:extLst>
+              <a:ext uri="{FF2B5EF4-FFF2-40B4-BE49-F238E27FC236}">
+                <a16:creationId xmlns:a16="http://schemas.microsoft.com/office/drawing/2014/main" id="{315BE7E4-953D-43AC-86C9-6B533F80A50D}"/>
+              </a:ext>
+            </a:extLst>
+          </p:cNvPr>
+          <p:cNvPicPr>
+            <a:picLocks noGrp="1" noChangeAspect="1"/>
+          </p:cNvPicPr>
+          <p:nvPr>
+            <p:ph idx="1"/>
+          </p:nvPr>
+        </p:nvPicPr>
+        <p:blipFill>
+          <a:blip r:embed="rId2">
+            <a:extLst>
+              <a:ext uri="{28A0092B-C50C-407E-A947-70E740481C1C}">
+                <a14:useLocalDpi xmlns:a14="http://schemas.microsoft.com/office/drawing/2010/main" val="0"/>
+              </a:ext>
+            </a:extLst>
+          </a:blip>
+          <a:stretch>
+            <a:fillRect/>
+          </a:stretch>
+        </p:blipFill>
+        <p:spPr>
+          <a:xfrm>
+            <a:off x="3920331" y="1825625"/>
+            <a:ext cx="4351338" cy="4351338"/>
+          </a:xfrm>
+        </p:spPr>
+      </p:pic>
+    </p:spTree>
+    <p:extLst>
+      <p:ext uri="{BB962C8B-B14F-4D97-AF65-F5344CB8AC3E}">
+        <p14:creationId xmlns:p14="http://schemas.microsoft.com/office/powerpoint/2010/main" val="1604096743"/>
+      </p:ext>
+    </p:extLst>
+  </p:cSld>
+  <p:clrMapOvr>
+    <a:masterClrMapping/>
+  </p:clrMapOvr>
+</p:sld>
+</file>
+
+<file path=ppt/slides/slide42.xml><?xml version="1.0" encoding="utf-8"?>
+<p:sld xmlns:a="http://schemas.openxmlformats.org/drawingml/2006/main" xmlns:r="http://schemas.openxmlformats.org/officeDocument/2006/relationships" xmlns:p="http://schemas.openxmlformats.org/presentationml/2006/main">
+  <p:cSld>
+    <p:spTree>
+      <p:nvGrpSpPr>
+        <p:cNvPr id="1" name=""/>
+        <p:cNvGrpSpPr/>
+        <p:nvPr/>
+      </p:nvGrpSpPr>
+      <p:grpSpPr>
+        <a:xfrm>
+          <a:off x="0" y="0"/>
+          <a:ext cx="0" cy="0"/>
+          <a:chOff x="0" y="0"/>
+          <a:chExt cx="0" cy="0"/>
+        </a:xfrm>
+      </p:grpSpPr>
+      <p:sp>
+        <p:nvSpPr>
+          <p:cNvPr id="2" name="Title 1">
+            <a:extLst>
+              <a:ext uri="{FF2B5EF4-FFF2-40B4-BE49-F238E27FC236}">
+                <a16:creationId xmlns:a16="http://schemas.microsoft.com/office/drawing/2014/main" id="{926761FE-F3F4-45FF-9A99-0671D7B74D17}"/>
+              </a:ext>
+            </a:extLst>
+          </p:cNvPr>
+          <p:cNvSpPr>
+            <a:spLocks noGrp="1"/>
+          </p:cNvSpPr>
+          <p:nvPr>
+            <p:ph type="title"/>
+          </p:nvPr>
+        </p:nvSpPr>
+        <p:spPr/>
+        <p:txBody>
+          <a:bodyPr/>
+          <a:lstStyle/>
+          <a:p>
+            <a:r>
+              <a:rPr lang="en-US" dirty="0" err="1"/>
+              <a:t>Misc</a:t>
+            </a:r>
+            <a:r>
+              <a:rPr lang="en-US" dirty="0"/>
+              <a:t> Results: Model Fit</a:t>
+            </a:r>
+          </a:p>
+        </p:txBody>
+      </p:sp>
+      <p:sp>
+        <p:nvSpPr>
+          <p:cNvPr id="8" name="Content Placeholder 7">
+            <a:extLst>
+              <a:ext uri="{FF2B5EF4-FFF2-40B4-BE49-F238E27FC236}">
+                <a16:creationId xmlns:a16="http://schemas.microsoft.com/office/drawing/2014/main" id="{736101FB-DB30-49FF-94A6-0ADAE3247BF5}"/>
+              </a:ext>
+            </a:extLst>
+          </p:cNvPr>
+          <p:cNvSpPr>
+            <a:spLocks noGrp="1"/>
+          </p:cNvSpPr>
+          <p:nvPr>
+            <p:ph idx="1"/>
+          </p:nvPr>
+        </p:nvSpPr>
+        <p:spPr>
+          <a:xfrm>
+            <a:off x="838200" y="1702206"/>
+            <a:ext cx="5005553" cy="4486274"/>
+          </a:xfrm>
+        </p:spPr>
+        <p:txBody>
+          <a:bodyPr/>
+          <a:lstStyle/>
+          <a:p>
+            <a:r>
+              <a:rPr lang="en-US" dirty="0"/>
+              <a:t>Residuals look evenly centered around 0 </a:t>
+            </a:r>
+          </a:p>
+          <a:p>
+            <a:pPr lvl="1"/>
+            <a:r>
+              <a:rPr lang="en-US" dirty="0"/>
+              <a:t>Possible divergence from normality at extreme values in sample</a:t>
+            </a:r>
+          </a:p>
+        </p:txBody>
+      </p:sp>
+      <p:pic>
+        <p:nvPicPr>
+          <p:cNvPr id="9" name="Picture 8">
+            <a:extLst>
+              <a:ext uri="{FF2B5EF4-FFF2-40B4-BE49-F238E27FC236}">
+                <a16:creationId xmlns:a16="http://schemas.microsoft.com/office/drawing/2014/main" id="{2A3A8A5B-23AA-42FC-B7CE-C56472397BE7}"/>
+              </a:ext>
+            </a:extLst>
+          </p:cNvPr>
+          <p:cNvPicPr>
+            <a:picLocks noChangeAspect="1"/>
+          </p:cNvPicPr>
+          <p:nvPr/>
+        </p:nvPicPr>
+        <p:blipFill>
+          <a:blip r:embed="rId3"/>
+          <a:stretch>
+            <a:fillRect/>
+          </a:stretch>
+        </p:blipFill>
+        <p:spPr>
+          <a:xfrm>
+            <a:off x="6450991" y="1027906"/>
+            <a:ext cx="5257800" cy="5257800"/>
+          </a:xfrm>
+          <a:prstGeom prst="rect">
+            <a:avLst/>
+          </a:prstGeom>
+        </p:spPr>
+      </p:pic>
+    </p:spTree>
+    <p:extLst>
+      <p:ext uri="{BB962C8B-B14F-4D97-AF65-F5344CB8AC3E}">
+        <p14:creationId xmlns:p14="http://schemas.microsoft.com/office/powerpoint/2010/main" val="861853394"/>
       </p:ext>
     </p:extLst>
   </p:cSld>
@@ -22795,8 +23766,8 @@
           </a:p>
         </p:txBody>
       </p:sp>
-      <mc:AlternateContent xmlns:mc="http://schemas.openxmlformats.org/markup-compatibility/2006">
-        <mc:Choice xmlns:a14="http://schemas.microsoft.com/office/drawing/2010/main" Requires="a14">
+      <mc:AlternateContent xmlns:mc="http://schemas.openxmlformats.org/markup-compatibility/2006" xmlns:a14="http://schemas.microsoft.com/office/drawing/2010/main">
+        <mc:Choice Requires="a14">
           <p:sp>
             <p:nvSpPr>
               <p:cNvPr id="3" name="Content Placeholder 2">
@@ -22920,7 +23891,7 @@
             </p:txBody>
           </p:sp>
         </mc:Choice>
-        <mc:Fallback>
+        <mc:Fallback xmlns="">
           <p:sp>
             <p:nvSpPr>
               <p:cNvPr id="3" name="Content Placeholder 2">
